--- a/Visual Analytics with Tableau.pptx
+++ b/Visual Analytics with Tableau.pptx
@@ -5,10 +5,10 @@
     <p:sldMasterId id="2147483648" r:id="rId1"/>
   </p:sldMasterIdLst>
   <p:notesMasterIdLst>
-    <p:notesMasterId r:id="rId20"/>
+    <p:notesMasterId r:id="rId22"/>
   </p:notesMasterIdLst>
   <p:handoutMasterIdLst>
-    <p:handoutMasterId r:id="rId21"/>
+    <p:handoutMasterId r:id="rId23"/>
   </p:handoutMasterIdLst>
   <p:sldIdLst>
     <p:sldId id="275" r:id="rId2"/>
@@ -18,17 +18,19 @@
     <p:sldId id="260" r:id="rId6"/>
     <p:sldId id="277" r:id="rId7"/>
     <p:sldId id="263" r:id="rId8"/>
-    <p:sldId id="280" r:id="rId9"/>
-    <p:sldId id="279" r:id="rId10"/>
-    <p:sldId id="265" r:id="rId11"/>
-    <p:sldId id="264" r:id="rId12"/>
-    <p:sldId id="267" r:id="rId13"/>
-    <p:sldId id="271" r:id="rId14"/>
-    <p:sldId id="269" r:id="rId15"/>
-    <p:sldId id="273" r:id="rId16"/>
-    <p:sldId id="270" r:id="rId17"/>
-    <p:sldId id="274" r:id="rId18"/>
-    <p:sldId id="281" r:id="rId19"/>
+    <p:sldId id="282" r:id="rId9"/>
+    <p:sldId id="283" r:id="rId10"/>
+    <p:sldId id="279" r:id="rId11"/>
+    <p:sldId id="265" r:id="rId12"/>
+    <p:sldId id="264" r:id="rId13"/>
+    <p:sldId id="267" r:id="rId14"/>
+    <p:sldId id="271" r:id="rId15"/>
+    <p:sldId id="269" r:id="rId16"/>
+    <p:sldId id="273" r:id="rId17"/>
+    <p:sldId id="270" r:id="rId18"/>
+    <p:sldId id="274" r:id="rId19"/>
+    <p:sldId id="284" r:id="rId20"/>
+    <p:sldId id="281" r:id="rId21"/>
   </p:sldIdLst>
   <p:sldSz cx="12192000" cy="6858000"/>
   <p:notesSz cx="6858000" cy="9144000"/>
@@ -220,7 +222,7 @@
           <a:p>
             <a:fld id="{EF06782C-9487-4F4D-95A2-8D8484F9E55D}" type="datetimeFigureOut">
               <a:rPr lang="en-US" smtClean="0"/>
-              <a:t>3/5/2020</a:t>
+              <a:t>1/8/2021</a:t>
             </a:fld>
             <a:endParaRPr lang="en-US"/>
           </a:p>
@@ -385,7 +387,7 @@
           <a:p>
             <a:fld id="{FA5937A5-2D3D-4327-8B25-AF4DABBCB142}" type="datetimeFigureOut">
               <a:rPr lang="en-US" smtClean="0"/>
-              <a:t>3/5/2020</a:t>
+              <a:t>1/8/2021</a:t>
             </a:fld>
             <a:endParaRPr lang="en-US"/>
           </a:p>
@@ -724,7 +726,7 @@
             <a:lvl1pPr marL="0" indent="0" algn="ctr">
               <a:buNone/>
               <a:defRPr sz="2400">
-                <a:latin typeface="Roboto" panose="02000000000000000000" pitchFamily="2" charset="0"/>
+                <a:latin typeface="Bahnschrift" panose="020B0502040204020203" pitchFamily="34" charset="0"/>
               </a:defRPr>
             </a:lvl1pPr>
             <a:lvl2pPr marL="457200" indent="0" algn="ctr">
@@ -916,7 +918,7 @@
           <a:p>
             <a:fld id="{08BC8D4D-68FD-4611-85C7-3134F18E4682}" type="datetimeFigureOut">
               <a:rPr lang="en-US" smtClean="0"/>
-              <a:t>3/5/2020</a:t>
+              <a:t>1/8/2021</a:t>
             </a:fld>
             <a:endParaRPr lang="en-US"/>
           </a:p>
@@ -1094,7 +1096,7 @@
           <a:p>
             <a:fld id="{08BC8D4D-68FD-4611-85C7-3134F18E4682}" type="datetimeFigureOut">
               <a:rPr lang="en-US" smtClean="0"/>
-              <a:t>3/5/2020</a:t>
+              <a:t>1/8/2021</a:t>
             </a:fld>
             <a:endParaRPr lang="en-US"/>
           </a:p>
@@ -1216,27 +1218,27 @@
           <a:lstStyle>
             <a:lvl1pPr>
               <a:defRPr>
-                <a:latin typeface="Roboto" panose="02000000000000000000" pitchFamily="2" charset="0"/>
+                <a:latin typeface="Bahnschrift" panose="020B0502040204020203" pitchFamily="34" charset="0"/>
               </a:defRPr>
             </a:lvl1pPr>
             <a:lvl2pPr>
               <a:defRPr>
-                <a:latin typeface="Roboto" panose="02000000000000000000" pitchFamily="2" charset="0"/>
+                <a:latin typeface="Bahnschrift" panose="020B0502040204020203" pitchFamily="34" charset="0"/>
               </a:defRPr>
             </a:lvl2pPr>
             <a:lvl3pPr>
               <a:defRPr>
-                <a:latin typeface="Roboto" panose="02000000000000000000" pitchFamily="2" charset="0"/>
+                <a:latin typeface="Bahnschrift" panose="020B0502040204020203" pitchFamily="34" charset="0"/>
               </a:defRPr>
             </a:lvl3pPr>
             <a:lvl4pPr>
               <a:defRPr>
-                <a:latin typeface="Roboto" panose="02000000000000000000" pitchFamily="2" charset="0"/>
+                <a:latin typeface="Bahnschrift" panose="020B0502040204020203" pitchFamily="34" charset="0"/>
               </a:defRPr>
             </a:lvl4pPr>
             <a:lvl5pPr>
               <a:defRPr>
-                <a:latin typeface="Roboto" panose="02000000000000000000" pitchFamily="2" charset="0"/>
+                <a:latin typeface="Bahnschrift" panose="020B0502040204020203" pitchFamily="34" charset="0"/>
               </a:defRPr>
             </a:lvl5pPr>
           </a:lstStyle>
@@ -1294,7 +1296,7 @@
           <a:p>
             <a:fld id="{08BC8D4D-68FD-4611-85C7-3134F18E4682}" type="datetimeFigureOut">
               <a:rPr lang="en-US" smtClean="0"/>
-              <a:t>3/5/2020</a:t>
+              <a:t>1/8/2021</a:t>
             </a:fld>
             <a:endParaRPr lang="en-US"/>
           </a:p>
@@ -1567,7 +1569,7 @@
           <a:p>
             <a:fld id="{08BC8D4D-68FD-4611-85C7-3134F18E4682}" type="datetimeFigureOut">
               <a:rPr lang="en-US" smtClean="0"/>
-              <a:t>3/5/2020</a:t>
+              <a:t>1/8/2021</a:t>
             </a:fld>
             <a:endParaRPr lang="en-US"/>
           </a:p>
@@ -1824,7 +1826,7 @@
           <a:p>
             <a:fld id="{08BC8D4D-68FD-4611-85C7-3134F18E4682}" type="datetimeFigureOut">
               <a:rPr lang="en-US" smtClean="0"/>
-              <a:t>3/5/2020</a:t>
+              <a:t>1/8/2021</a:t>
             </a:fld>
             <a:endParaRPr lang="en-US"/>
           </a:p>
@@ -2216,7 +2218,7 @@
           <a:p>
             <a:fld id="{08BC8D4D-68FD-4611-85C7-3134F18E4682}" type="datetimeFigureOut">
               <a:rPr lang="en-US" smtClean="0"/>
-              <a:t>3/5/2020</a:t>
+              <a:t>1/8/2021</a:t>
             </a:fld>
             <a:endParaRPr lang="en-US"/>
           </a:p>
@@ -2333,7 +2335,7 @@
           <a:p>
             <a:fld id="{08BC8D4D-68FD-4611-85C7-3134F18E4682}" type="datetimeFigureOut">
               <a:rPr lang="en-US" smtClean="0"/>
-              <a:t>3/5/2020</a:t>
+              <a:t>1/8/2021</a:t>
             </a:fld>
             <a:endParaRPr lang="en-US"/>
           </a:p>
@@ -2428,7 +2430,7 @@
           <a:p>
             <a:fld id="{08BC8D4D-68FD-4611-85C7-3134F18E4682}" type="datetimeFigureOut">
               <a:rPr lang="en-US" smtClean="0"/>
-              <a:t>3/5/2020</a:t>
+              <a:t>1/8/2021</a:t>
             </a:fld>
             <a:endParaRPr lang="en-US"/>
           </a:p>
@@ -2703,7 +2705,7 @@
           <a:p>
             <a:fld id="{08BC8D4D-68FD-4611-85C7-3134F18E4682}" type="datetimeFigureOut">
               <a:rPr lang="en-US" smtClean="0"/>
-              <a:t>3/5/2020</a:t>
+              <a:t>1/8/2021</a:t>
             </a:fld>
             <a:endParaRPr lang="en-US"/>
           </a:p>
@@ -2955,7 +2957,7 @@
           <a:p>
             <a:fld id="{08BC8D4D-68FD-4611-85C7-3134F18E4682}" type="datetimeFigureOut">
               <a:rPr lang="en-US" smtClean="0"/>
-              <a:t>3/5/2020</a:t>
+              <a:t>1/8/2021</a:t>
             </a:fld>
             <a:endParaRPr lang="en-US"/>
           </a:p>
@@ -3166,7 +3168,7 @@
           <a:p>
             <a:fld id="{08BC8D4D-68FD-4611-85C7-3134F18E4682}" type="datetimeFigureOut">
               <a:rPr lang="en-US" smtClean="0"/>
-              <a:t>3/5/2020</a:t>
+              <a:t>1/8/2021</a:t>
             </a:fld>
             <a:endParaRPr lang="en-US"/>
           </a:p>
@@ -3690,34 +3692,6 @@
           </a:p>
         </p:txBody>
       </p:sp>
-      <p:pic>
-        <p:nvPicPr>
-          <p:cNvPr id="4" name="Google Shape;56;p13"/>
-          <p:cNvPicPr preferRelativeResize="0"/>
-          <p:nvPr/>
-        </p:nvPicPr>
-        <p:blipFill>
-          <a:blip r:embed="rId3">
-            <a:alphaModFix/>
-          </a:blip>
-          <a:stretch>
-            <a:fillRect/>
-          </a:stretch>
-        </p:blipFill>
-        <p:spPr>
-          <a:xfrm>
-            <a:off x="11196981" y="193600"/>
-            <a:ext cx="774099" cy="296300"/>
-          </a:xfrm>
-          <a:prstGeom prst="rect">
-            <a:avLst/>
-          </a:prstGeom>
-          <a:noFill/>
-          <a:ln>
-            <a:noFill/>
-          </a:ln>
-        </p:spPr>
-      </p:pic>
     </p:spTree>
     <p:extLst>
       <p:ext uri="{BB962C8B-B14F-4D97-AF65-F5344CB8AC3E}">
@@ -3761,14 +3735,405 @@
             <p:ph type="title"/>
           </p:nvPr>
         </p:nvSpPr>
+        <p:spPr>
+          <a:xfrm>
+            <a:off x="681380" y="2533350"/>
+            <a:ext cx="10515600" cy="1325563"/>
+          </a:xfrm>
+        </p:spPr>
+        <p:txBody>
+          <a:bodyPr/>
+          <a:lstStyle/>
+          <a:p>
+            <a:r>
+              <a:rPr lang="en-US" dirty="0"/>
+              <a:t>ASK QUESTIONS</a:t>
+            </a:r>
+          </a:p>
+        </p:txBody>
+      </p:sp>
+      <p:sp>
+        <p:nvSpPr>
+          <p:cNvPr id="8" name="Freeform 5">
+            <a:extLst>
+              <a:ext uri="{FF2B5EF4-FFF2-40B4-BE49-F238E27FC236}">
+                <a16:creationId xmlns:a16="http://schemas.microsoft.com/office/drawing/2014/main" id="{D03BB8BC-02B5-4564-937D-2F98FAA32E76}"/>
+              </a:ext>
+            </a:extLst>
+          </p:cNvPr>
+          <p:cNvSpPr>
+            <a:spLocks/>
+          </p:cNvSpPr>
+          <p:nvPr/>
+        </p:nvSpPr>
+        <p:spPr bwMode="auto">
+          <a:xfrm>
+            <a:off x="11550938" y="1144588"/>
+            <a:ext cx="641062" cy="1092200"/>
+          </a:xfrm>
+          <a:custGeom>
+            <a:avLst/>
+            <a:gdLst>
+              <a:gd name="T0" fmla="*/ 1154 w 1154"/>
+              <a:gd name="T1" fmla="*/ 188 h 1950"/>
+              <a:gd name="T2" fmla="*/ 1154 w 1154"/>
+              <a:gd name="T3" fmla="*/ 0 h 1950"/>
+              <a:gd name="T4" fmla="*/ 0 w 1154"/>
+              <a:gd name="T5" fmla="*/ 0 h 1950"/>
+              <a:gd name="T6" fmla="*/ 0 w 1154"/>
+              <a:gd name="T7" fmla="*/ 6 h 1950"/>
+              <a:gd name="T8" fmla="*/ 0 w 1154"/>
+              <a:gd name="T9" fmla="*/ 188 h 1950"/>
+              <a:gd name="T10" fmla="*/ 0 w 1154"/>
+              <a:gd name="T11" fmla="*/ 1938 h 1950"/>
+              <a:gd name="T12" fmla="*/ 0 w 1154"/>
+              <a:gd name="T13" fmla="*/ 1950 h 1950"/>
+              <a:gd name="T14" fmla="*/ 542 w 1154"/>
+              <a:gd name="T15" fmla="*/ 1950 h 1950"/>
+              <a:gd name="T16" fmla="*/ 1154 w 1154"/>
+              <a:gd name="T17" fmla="*/ 1950 h 1950"/>
+              <a:gd name="T18" fmla="*/ 1154 w 1154"/>
+              <a:gd name="T19" fmla="*/ 1938 h 1950"/>
+              <a:gd name="T20" fmla="*/ 542 w 1154"/>
+              <a:gd name="T21" fmla="*/ 1938 h 1950"/>
+              <a:gd name="T22" fmla="*/ 542 w 1154"/>
+              <a:gd name="T23" fmla="*/ 188 h 1950"/>
+              <a:gd name="T24" fmla="*/ 1154 w 1154"/>
+              <a:gd name="T25" fmla="*/ 188 h 1950"/>
+            </a:gdLst>
+            <a:ahLst/>
+            <a:cxnLst>
+              <a:cxn ang="0">
+                <a:pos x="T0" y="T1"/>
+              </a:cxn>
+              <a:cxn ang="0">
+                <a:pos x="T2" y="T3"/>
+              </a:cxn>
+              <a:cxn ang="0">
+                <a:pos x="T4" y="T5"/>
+              </a:cxn>
+              <a:cxn ang="0">
+                <a:pos x="T6" y="T7"/>
+              </a:cxn>
+              <a:cxn ang="0">
+                <a:pos x="T8" y="T9"/>
+              </a:cxn>
+              <a:cxn ang="0">
+                <a:pos x="T10" y="T11"/>
+              </a:cxn>
+              <a:cxn ang="0">
+                <a:pos x="T12" y="T13"/>
+              </a:cxn>
+              <a:cxn ang="0">
+                <a:pos x="T14" y="T15"/>
+              </a:cxn>
+              <a:cxn ang="0">
+                <a:pos x="T16" y="T17"/>
+              </a:cxn>
+              <a:cxn ang="0">
+                <a:pos x="T18" y="T19"/>
+              </a:cxn>
+              <a:cxn ang="0">
+                <a:pos x="T20" y="T21"/>
+              </a:cxn>
+              <a:cxn ang="0">
+                <a:pos x="T22" y="T23"/>
+              </a:cxn>
+              <a:cxn ang="0">
+                <a:pos x="T24" y="T25"/>
+              </a:cxn>
+            </a:cxnLst>
+            <a:rect l="0" t="0" r="r" b="b"/>
+            <a:pathLst>
+              <a:path w="1154" h="1950">
+                <a:moveTo>
+                  <a:pt x="1154" y="188"/>
+                </a:moveTo>
+                <a:lnTo>
+                  <a:pt x="1154" y="0"/>
+                </a:lnTo>
+                <a:lnTo>
+                  <a:pt x="0" y="0"/>
+                </a:lnTo>
+                <a:lnTo>
+                  <a:pt x="0" y="6"/>
+                </a:lnTo>
+                <a:lnTo>
+                  <a:pt x="0" y="188"/>
+                </a:lnTo>
+                <a:lnTo>
+                  <a:pt x="0" y="1938"/>
+                </a:lnTo>
+                <a:lnTo>
+                  <a:pt x="0" y="1950"/>
+                </a:lnTo>
+                <a:lnTo>
+                  <a:pt x="542" y="1950"/>
+                </a:lnTo>
+                <a:lnTo>
+                  <a:pt x="1154" y="1950"/>
+                </a:lnTo>
+                <a:lnTo>
+                  <a:pt x="1154" y="1938"/>
+                </a:lnTo>
+                <a:lnTo>
+                  <a:pt x="542" y="1938"/>
+                </a:lnTo>
+                <a:lnTo>
+                  <a:pt x="542" y="188"/>
+                </a:lnTo>
+                <a:lnTo>
+                  <a:pt x="1154" y="188"/>
+                </a:lnTo>
+                <a:close/>
+              </a:path>
+            </a:pathLst>
+          </a:custGeom>
+          <a:solidFill>
+            <a:srgbClr val="CC1274"/>
+          </a:solidFill>
+          <a:ln>
+            <a:noFill/>
+          </a:ln>
+        </p:spPr>
+        <p:txBody>
+          <a:bodyPr vert="horz" wrap="square" lIns="45720" tIns="22860" rIns="45720" bIns="22860" numCol="1" anchor="t" anchorCtr="0" compatLnSpc="1">
+            <a:prstTxWarp prst="textNoShape">
+              <a:avLst/>
+            </a:prstTxWarp>
+          </a:bodyPr>
+          <a:lstStyle/>
+          <a:p>
+            <a:endParaRPr lang="en-US" sz="900"/>
+          </a:p>
+        </p:txBody>
+      </p:sp>
+    </p:spTree>
+    <p:extLst>
+      <p:ext uri="{BB962C8B-B14F-4D97-AF65-F5344CB8AC3E}">
+        <p14:creationId xmlns:p14="http://schemas.microsoft.com/office/powerpoint/2010/main" val="1674275574"/>
+      </p:ext>
+    </p:extLst>
+  </p:cSld>
+  <p:clrMapOvr>
+    <a:masterClrMapping/>
+  </p:clrMapOvr>
+  <p:transition spd="slow">
+    <p:push dir="u"/>
+  </p:transition>
+  <p:timing>
+    <p:tnLst>
+      <p:par>
+        <p:cTn id="1" dur="indefinite" restart="never" nodeType="tmRoot">
+          <p:childTnLst>
+            <p:seq concurrent="1" nextAc="seek">
+              <p:cTn id="2" dur="indefinite" nodeType="mainSeq">
+                <p:childTnLst>
+                  <p:par>
+                    <p:cTn id="3" fill="hold">
+                      <p:stCondLst>
+                        <p:cond delay="indefinite"/>
+                        <p:cond evt="onBegin" delay="0">
+                          <p:tn val="2"/>
+                        </p:cond>
+                      </p:stCondLst>
+                      <p:childTnLst>
+                        <p:par>
+                          <p:cTn id="4" fill="hold">
+                            <p:stCondLst>
+                              <p:cond delay="0"/>
+                            </p:stCondLst>
+                            <p:childTnLst>
+                              <p:par>
+                                <p:cTn id="5" presetID="2" presetClass="entr" presetSubtype="1" decel="100000" fill="hold" grpId="0" nodeType="withEffect">
+                                  <p:stCondLst>
+                                    <p:cond delay="0"/>
+                                  </p:stCondLst>
+                                  <p:childTnLst>
+                                    <p:set>
+                                      <p:cBhvr>
+                                        <p:cTn id="6" dur="1" fill="hold">
+                                          <p:stCondLst>
+                                            <p:cond delay="0"/>
+                                          </p:stCondLst>
+                                        </p:cTn>
+                                        <p:tgtEl>
+                                          <p:spTgt spid="8"/>
+                                        </p:tgtEl>
+                                        <p:attrNameLst>
+                                          <p:attrName>style.visibility</p:attrName>
+                                        </p:attrNameLst>
+                                      </p:cBhvr>
+                                      <p:to>
+                                        <p:strVal val="visible"/>
+                                      </p:to>
+                                    </p:set>
+                                    <p:anim calcmode="lin" valueType="num">
+                                      <p:cBhvr additive="base">
+                                        <p:cTn id="7" dur="500" fill="hold"/>
+                                        <p:tgtEl>
+                                          <p:spTgt spid="8"/>
+                                        </p:tgtEl>
+                                        <p:attrNameLst>
+                                          <p:attrName>ppt_x</p:attrName>
+                                        </p:attrNameLst>
+                                      </p:cBhvr>
+                                      <p:tavLst>
+                                        <p:tav tm="0">
+                                          <p:val>
+                                            <p:strVal val="#ppt_x"/>
+                                          </p:val>
+                                        </p:tav>
+                                        <p:tav tm="100000">
+                                          <p:val>
+                                            <p:strVal val="#ppt_x"/>
+                                          </p:val>
+                                        </p:tav>
+                                      </p:tavLst>
+                                    </p:anim>
+                                    <p:anim calcmode="lin" valueType="num">
+                                      <p:cBhvr additive="base">
+                                        <p:cTn id="8" dur="500" fill="hold"/>
+                                        <p:tgtEl>
+                                          <p:spTgt spid="8"/>
+                                        </p:tgtEl>
+                                        <p:attrNameLst>
+                                          <p:attrName>ppt_y</p:attrName>
+                                        </p:attrNameLst>
+                                      </p:cBhvr>
+                                      <p:tavLst>
+                                        <p:tav tm="0">
+                                          <p:val>
+                                            <p:strVal val="0-#ppt_h/2"/>
+                                          </p:val>
+                                        </p:tav>
+                                        <p:tav tm="100000">
+                                          <p:val>
+                                            <p:strVal val="#ppt_y"/>
+                                          </p:val>
+                                        </p:tav>
+                                      </p:tavLst>
+                                    </p:anim>
+                                  </p:childTnLst>
+                                </p:cTn>
+                              </p:par>
+                            </p:childTnLst>
+                          </p:cTn>
+                        </p:par>
+                      </p:childTnLst>
+                    </p:cTn>
+                  </p:par>
+                </p:childTnLst>
+              </p:cTn>
+              <p:prevCondLst>
+                <p:cond evt="onPrev" delay="0">
+                  <p:tgtEl>
+                    <p:sldTgt/>
+                  </p:tgtEl>
+                </p:cond>
+              </p:prevCondLst>
+              <p:nextCondLst>
+                <p:cond evt="onNext" delay="0">
+                  <p:tgtEl>
+                    <p:sldTgt/>
+                  </p:tgtEl>
+                </p:cond>
+              </p:nextCondLst>
+            </p:seq>
+          </p:childTnLst>
+        </p:cTn>
+      </p:par>
+    </p:tnLst>
+    <p:bldLst>
+      <p:bldP spid="8" grpId="0" animBg="1"/>
+    </p:bldLst>
+  </p:timing>
+</p:sld>
+</file>
+
+<file path=ppt/slides/slide11.xml><?xml version="1.0" encoding="utf-8"?>
+<p:sld xmlns:a="http://schemas.openxmlformats.org/drawingml/2006/main" xmlns:r="http://schemas.openxmlformats.org/officeDocument/2006/relationships" xmlns:p="http://schemas.openxmlformats.org/presentationml/2006/main" showMasterSp="0">
+  <p:cSld>
+    <p:bg>
+      <p:bgPr>
+        <a:solidFill>
+          <a:srgbClr val="000003"/>
+        </a:solidFill>
+        <a:effectLst/>
+      </p:bgPr>
+    </p:bg>
+    <p:spTree>
+      <p:nvGrpSpPr>
+        <p:cNvPr id="1" name=""/>
+        <p:cNvGrpSpPr/>
+        <p:nvPr/>
+      </p:nvGrpSpPr>
+      <p:grpSpPr>
+        <a:xfrm>
+          <a:off x="0" y="0"/>
+          <a:ext cx="0" cy="0"/>
+          <a:chOff x="0" y="0"/>
+          <a:chExt cx="0" cy="0"/>
+        </a:xfrm>
+      </p:grpSpPr>
+      <p:pic>
+        <p:nvPicPr>
+          <p:cNvPr id="9" name="Picture 8">
+            <a:extLst>
+              <a:ext uri="{FF2B5EF4-FFF2-40B4-BE49-F238E27FC236}">
+                <a16:creationId xmlns:a16="http://schemas.microsoft.com/office/drawing/2014/main" id="{FDFC488D-52F9-4DD0-A95C-E62104948C8E}"/>
+              </a:ext>
+            </a:extLst>
+          </p:cNvPr>
+          <p:cNvPicPr>
+            <a:picLocks noChangeAspect="1"/>
+          </p:cNvPicPr>
+          <p:nvPr/>
+        </p:nvPicPr>
+        <p:blipFill>
+          <a:blip r:embed="rId2" cstate="print">
+            <a:extLst>
+              <a:ext uri="{28A0092B-C50C-407E-A947-70E740481C1C}">
+                <a14:useLocalDpi xmlns:a14="http://schemas.microsoft.com/office/drawing/2010/main" val="0"/>
+              </a:ext>
+            </a:extLst>
+          </a:blip>
+          <a:stretch>
+            <a:fillRect/>
+          </a:stretch>
+        </p:blipFill>
+        <p:spPr>
+          <a:xfrm>
+            <a:off x="6930190" y="1430039"/>
+            <a:ext cx="5261810" cy="2959768"/>
+          </a:xfrm>
+          <a:prstGeom prst="rect">
+            <a:avLst/>
+          </a:prstGeom>
+        </p:spPr>
+      </p:pic>
+      <p:sp>
+        <p:nvSpPr>
+          <p:cNvPr id="2" name="Title 1"/>
+          <p:cNvSpPr>
+            <a:spLocks noGrp="1"/>
+          </p:cNvSpPr>
+          <p:nvPr>
+            <p:ph type="title"/>
+          </p:nvPr>
+        </p:nvSpPr>
         <p:spPr/>
         <p:txBody>
           <a:bodyPr/>
           <a:lstStyle/>
           <a:p>
             <a:r>
-              <a:rPr lang="en-US" dirty="0"/>
-              <a:t>THE QUESTIONS</a:t>
+              <a:rPr lang="en-US" dirty="0">
+                <a:solidFill>
+                  <a:schemeClr val="bg1"/>
+                </a:solidFill>
+              </a:rPr>
+              <a:t>THE QUESTION</a:t>
             </a:r>
           </a:p>
         </p:txBody>
@@ -3783,52 +4148,37 @@
             <p:ph idx="1"/>
           </p:nvPr>
         </p:nvSpPr>
-        <p:spPr/>
+        <p:spPr>
+          <a:xfrm>
+            <a:off x="838200" y="1825625"/>
+            <a:ext cx="5748230" cy="3042936"/>
+          </a:xfrm>
+        </p:spPr>
         <p:txBody>
           <a:bodyPr/>
           <a:lstStyle/>
           <a:p>
             <a:r>
-              <a:rPr lang="en-US" dirty="0"/>
-              <a:t>How many of our apps work on older devices?</a:t>
+              <a:rPr lang="en-US" dirty="0">
+                <a:solidFill>
+                  <a:schemeClr val="bg1"/>
+                </a:solidFill>
+              </a:rPr>
+              <a:t>Do a lot of our apps work on older devices?</a:t>
+            </a:r>
+          </a:p>
+          <a:p>
+            <a:r>
+              <a:rPr lang="en-US" dirty="0">
+                <a:solidFill>
+                  <a:schemeClr val="bg1"/>
+                </a:solidFill>
+              </a:rPr>
+              <a:t>Let’s assume that older devices run Android version 2.0</a:t>
             </a:r>
           </a:p>
         </p:txBody>
       </p:sp>
-      <p:pic>
-        <p:nvPicPr>
-          <p:cNvPr id="5" name="Google Shape;56;p13">
-            <a:extLst>
-              <a:ext uri="{FF2B5EF4-FFF2-40B4-BE49-F238E27FC236}">
-                <a16:creationId xmlns:a16="http://schemas.microsoft.com/office/drawing/2014/main" id="{F7B39A72-72A8-4876-B817-F2A15E45CADC}"/>
-              </a:ext>
-            </a:extLst>
-          </p:cNvPr>
-          <p:cNvPicPr preferRelativeResize="0"/>
-          <p:nvPr/>
-        </p:nvPicPr>
-        <p:blipFill>
-          <a:blip r:embed="rId2">
-            <a:alphaModFix/>
-          </a:blip>
-          <a:stretch>
-            <a:fillRect/>
-          </a:stretch>
-        </p:blipFill>
-        <p:spPr>
-          <a:xfrm>
-            <a:off x="11196980" y="6370125"/>
-            <a:ext cx="774099" cy="296300"/>
-          </a:xfrm>
-          <a:prstGeom prst="rect">
-            <a:avLst/>
-          </a:prstGeom>
-          <a:noFill/>
-          <a:ln>
-            <a:noFill/>
-          </a:ln>
-        </p:spPr>
-      </p:pic>
       <p:sp>
         <p:nvSpPr>
           <p:cNvPr id="6" name="Freeform 9">
@@ -4203,7 +4553,7 @@
 </p:sld>
 </file>
 
-<file path=ppt/slides/slide11.xml><?xml version="1.0" encoding="utf-8"?>
+<file path=ppt/slides/slide12.xml><?xml version="1.0" encoding="utf-8"?>
 <p:sld xmlns:a="http://schemas.openxmlformats.org/drawingml/2006/main" xmlns:r="http://schemas.openxmlformats.org/officeDocument/2006/relationships" xmlns:p="http://schemas.openxmlformats.org/presentationml/2006/main" showMasterSp="0">
   <p:cSld>
     <p:spTree>
@@ -4237,7 +4587,7 @@
           <a:p>
             <a:r>
               <a:rPr lang="en-US" dirty="0"/>
-              <a:t>THE QUESTIONS DRILLED DOWN</a:t>
+              <a:t>THE QUESTION DRILLED DOWN</a:t>
             </a:r>
           </a:p>
         </p:txBody>
@@ -4261,7 +4611,13 @@
           <a:p>
             <a:r>
               <a:rPr lang="en-US" dirty="0"/>
-              <a:t>What is the version compatibility distribution?</a:t>
+              <a:t>What is the distribution of android version compatibility?</a:t>
+            </a:r>
+          </a:p>
+          <a:p>
+            <a:r>
+              <a:rPr lang="en-US" dirty="0"/>
+              <a:t>How many apps can run on Android Version 2.0 and below?</a:t>
             </a:r>
           </a:p>
           <a:p>
@@ -4269,40 +4625,6 @@
           </a:p>
         </p:txBody>
       </p:sp>
-      <p:pic>
-        <p:nvPicPr>
-          <p:cNvPr id="5" name="Google Shape;56;p13">
-            <a:extLst>
-              <a:ext uri="{FF2B5EF4-FFF2-40B4-BE49-F238E27FC236}">
-                <a16:creationId xmlns:a16="http://schemas.microsoft.com/office/drawing/2014/main" id="{1EE4FDE2-994E-4C56-BFA5-CC7D45B61B15}"/>
-              </a:ext>
-            </a:extLst>
-          </p:cNvPr>
-          <p:cNvPicPr preferRelativeResize="0"/>
-          <p:nvPr/>
-        </p:nvPicPr>
-        <p:blipFill>
-          <a:blip r:embed="rId2">
-            <a:alphaModFix/>
-          </a:blip>
-          <a:stretch>
-            <a:fillRect/>
-          </a:stretch>
-        </p:blipFill>
-        <p:spPr>
-          <a:xfrm>
-            <a:off x="11196980" y="6370125"/>
-            <a:ext cx="774099" cy="296300"/>
-          </a:xfrm>
-          <a:prstGeom prst="rect">
-            <a:avLst/>
-          </a:prstGeom>
-          <a:noFill/>
-          <a:ln>
-            <a:noFill/>
-          </a:ln>
-        </p:spPr>
-      </p:pic>
       <p:sp>
         <p:nvSpPr>
           <p:cNvPr id="8" name="Freeform 8">
@@ -4916,7 +5238,7 @@
 </p:sld>
 </file>
 
-<file path=ppt/slides/slide12.xml><?xml version="1.0" encoding="utf-8"?>
+<file path=ppt/slides/slide13.xml><?xml version="1.0" encoding="utf-8"?>
 <p:sld xmlns:a="http://schemas.openxmlformats.org/drawingml/2006/main" xmlns:r="http://schemas.openxmlformats.org/officeDocument/2006/relationships" xmlns:p="http://schemas.openxmlformats.org/presentationml/2006/main" showMasterSp="0">
   <p:cSld>
     <p:spTree>
@@ -4933,6 +5255,41 @@
           <a:chExt cx="0" cy="0"/>
         </a:xfrm>
       </p:grpSpPr>
+      <p:pic>
+        <p:nvPicPr>
+          <p:cNvPr id="10" name="Picture 9">
+            <a:extLst>
+              <a:ext uri="{FF2B5EF4-FFF2-40B4-BE49-F238E27FC236}">
+                <a16:creationId xmlns:a16="http://schemas.microsoft.com/office/drawing/2014/main" id="{3AD4B9F3-C75D-475D-8567-0CA5B02671DD}"/>
+              </a:ext>
+            </a:extLst>
+          </p:cNvPr>
+          <p:cNvPicPr>
+            <a:picLocks noChangeAspect="1"/>
+          </p:cNvPicPr>
+          <p:nvPr/>
+        </p:nvPicPr>
+        <p:blipFill rotWithShape="1">
+          <a:blip r:embed="rId2" cstate="print">
+            <a:extLst>
+              <a:ext uri="{28A0092B-C50C-407E-A947-70E740481C1C}">
+                <a14:useLocalDpi xmlns:a14="http://schemas.microsoft.com/office/drawing/2010/main" val="0"/>
+              </a:ext>
+            </a:extLst>
+          </a:blip>
+          <a:srcRect l="27330" t="52" r="28152" b="-52"/>
+          <a:stretch/>
+        </p:blipFill>
+        <p:spPr>
+          <a:xfrm>
+            <a:off x="7911549" y="365125"/>
+            <a:ext cx="3593988" cy="6054918"/>
+          </a:xfrm>
+          <a:prstGeom prst="rect">
+            <a:avLst/>
+          </a:prstGeom>
+        </p:spPr>
+      </p:pic>
       <p:sp>
         <p:nvSpPr>
           <p:cNvPr id="2" name="Title 1"/>
@@ -4950,7 +5307,7 @@
           <a:p>
             <a:r>
               <a:rPr lang="en-US" dirty="0"/>
-              <a:t>THE QUESTIONS</a:t>
+              <a:t>THE QUESTION</a:t>
             </a:r>
           </a:p>
         </p:txBody>
@@ -4979,45 +5336,11 @@
             <a:pPr lvl="1"/>
             <a:r>
               <a:rPr lang="en-US" dirty="0"/>
-              <a:t>What are our best apps?</a:t>
+              <a:t>What are our “best” apps?</a:t>
             </a:r>
           </a:p>
         </p:txBody>
       </p:sp>
-      <p:pic>
-        <p:nvPicPr>
-          <p:cNvPr id="5" name="Google Shape;56;p13">
-            <a:extLst>
-              <a:ext uri="{FF2B5EF4-FFF2-40B4-BE49-F238E27FC236}">
-                <a16:creationId xmlns:a16="http://schemas.microsoft.com/office/drawing/2014/main" id="{DCB44E85-FA08-4065-90E6-6784FD8B2B54}"/>
-              </a:ext>
-            </a:extLst>
-          </p:cNvPr>
-          <p:cNvPicPr preferRelativeResize="0"/>
-          <p:nvPr/>
-        </p:nvPicPr>
-        <p:blipFill>
-          <a:blip r:embed="rId2">
-            <a:alphaModFix/>
-          </a:blip>
-          <a:stretch>
-            <a:fillRect/>
-          </a:stretch>
-        </p:blipFill>
-        <p:spPr>
-          <a:xfrm>
-            <a:off x="11196980" y="6370125"/>
-            <a:ext cx="774099" cy="296300"/>
-          </a:xfrm>
-          <a:prstGeom prst="rect">
-            <a:avLst/>
-          </a:prstGeom>
-          <a:noFill/>
-          <a:ln>
-            <a:noFill/>
-          </a:ln>
-        </p:spPr>
-      </p:pic>
       <p:sp>
         <p:nvSpPr>
           <p:cNvPr id="6" name="Freeform 8">
@@ -5631,7 +5954,7 @@
 </p:sld>
 </file>
 
-<file path=ppt/slides/slide13.xml><?xml version="1.0" encoding="utf-8"?>
+<file path=ppt/slides/slide14.xml><?xml version="1.0" encoding="utf-8"?>
 <p:sld xmlns:a="http://schemas.openxmlformats.org/drawingml/2006/main" xmlns:r="http://schemas.openxmlformats.org/officeDocument/2006/relationships" xmlns:p="http://schemas.openxmlformats.org/presentationml/2006/main" showMasterSp="0">
   <p:cSld>
     <p:spTree>
@@ -5665,7 +5988,7 @@
           <a:p>
             <a:r>
               <a:rPr lang="en-US" dirty="0"/>
-              <a:t>THE QUESTIONS DRILLED DOWN</a:t>
+              <a:t>THE QUESTION DRILLED DOWN</a:t>
             </a:r>
           </a:p>
         </p:txBody>
@@ -5696,7 +6019,7 @@
             <a:pPr lvl="1"/>
             <a:r>
               <a:rPr lang="en-US" dirty="0"/>
-              <a:t>How many are more than 4.5 stars with high installs and review counts?</a:t>
+              <a:t>How many apps are reviewed more than 4.5 stars and have high review counts?</a:t>
             </a:r>
           </a:p>
           <a:p>
@@ -5704,40 +6027,6 @@
           </a:p>
         </p:txBody>
       </p:sp>
-      <p:pic>
-        <p:nvPicPr>
-          <p:cNvPr id="5" name="Google Shape;56;p13">
-            <a:extLst>
-              <a:ext uri="{FF2B5EF4-FFF2-40B4-BE49-F238E27FC236}">
-                <a16:creationId xmlns:a16="http://schemas.microsoft.com/office/drawing/2014/main" id="{1DB068A2-C7FC-4E72-B6AF-C0550583E99B}"/>
-              </a:ext>
-            </a:extLst>
-          </p:cNvPr>
-          <p:cNvPicPr preferRelativeResize="0"/>
-          <p:nvPr/>
-        </p:nvPicPr>
-        <p:blipFill>
-          <a:blip r:embed="rId2">
-            <a:alphaModFix/>
-          </a:blip>
-          <a:stretch>
-            <a:fillRect/>
-          </a:stretch>
-        </p:blipFill>
-        <p:spPr>
-          <a:xfrm>
-            <a:off x="11196980" y="6370125"/>
-            <a:ext cx="774099" cy="296300"/>
-          </a:xfrm>
-          <a:prstGeom prst="rect">
-            <a:avLst/>
-          </a:prstGeom>
-          <a:noFill/>
-          <a:ln>
-            <a:noFill/>
-          </a:ln>
-        </p:spPr>
-      </p:pic>
       <p:sp>
         <p:nvSpPr>
           <p:cNvPr id="8" name="Freeform 9">
@@ -6112,9 +6401,32 @@
 </p:sld>
 </file>
 
-<file path=ppt/slides/slide14.xml><?xml version="1.0" encoding="utf-8"?>
+<file path=ppt/slides/slide15.xml><?xml version="1.0" encoding="utf-8"?>
 <p:sld xmlns:a="http://schemas.openxmlformats.org/drawingml/2006/main" xmlns:r="http://schemas.openxmlformats.org/officeDocument/2006/relationships" xmlns:p="http://schemas.openxmlformats.org/presentationml/2006/main" showMasterSp="0">
   <p:cSld>
+    <p:bg>
+      <p:bgPr>
+        <a:gradFill flip="none" rotWithShape="1">
+          <a:gsLst>
+            <a:gs pos="0">
+              <a:srgbClr val="FEFEFF"/>
+            </a:gs>
+            <a:gs pos="38925">
+              <a:srgbClr val="FCFCFE"/>
+            </a:gs>
+            <a:gs pos="75000">
+              <a:srgbClr val="F3F3F1"/>
+            </a:gs>
+            <a:gs pos="100000">
+              <a:srgbClr val="F3F3F1"/>
+            </a:gs>
+          </a:gsLst>
+          <a:lin ang="16200000" scaled="1"/>
+          <a:tileRect/>
+        </a:gradFill>
+        <a:effectLst/>
+      </p:bgPr>
+    </p:bg>
     <p:spTree>
       <p:nvGrpSpPr>
         <p:cNvPr id="1" name=""/>
@@ -6129,6 +6441,42 @@
           <a:chExt cx="0" cy="0"/>
         </a:xfrm>
       </p:grpSpPr>
+      <p:pic>
+        <p:nvPicPr>
+          <p:cNvPr id="8" name="Picture 7">
+            <a:extLst>
+              <a:ext uri="{FF2B5EF4-FFF2-40B4-BE49-F238E27FC236}">
+                <a16:creationId xmlns:a16="http://schemas.microsoft.com/office/drawing/2014/main" id="{ACE3CCB7-3F8C-467A-BEAE-CACBA634A176}"/>
+              </a:ext>
+            </a:extLst>
+          </p:cNvPr>
+          <p:cNvPicPr>
+            <a:picLocks noChangeAspect="1"/>
+          </p:cNvPicPr>
+          <p:nvPr/>
+        </p:nvPicPr>
+        <p:blipFill>
+          <a:blip r:embed="rId2" cstate="print">
+            <a:extLst>
+              <a:ext uri="{28A0092B-C50C-407E-A947-70E740481C1C}">
+                <a14:useLocalDpi xmlns:a14="http://schemas.microsoft.com/office/drawing/2010/main" val="0"/>
+              </a:ext>
+            </a:extLst>
+          </a:blip>
+          <a:stretch>
+            <a:fillRect/>
+          </a:stretch>
+        </p:blipFill>
+        <p:spPr>
+          <a:xfrm>
+            <a:off x="4005802" y="1144588"/>
+            <a:ext cx="7548563" cy="5032375"/>
+          </a:xfrm>
+          <a:prstGeom prst="rect">
+            <a:avLst/>
+          </a:prstGeom>
+        </p:spPr>
+      </p:pic>
       <p:sp>
         <p:nvSpPr>
           <p:cNvPr id="2" name="Title 1"/>
@@ -6146,7 +6494,7 @@
           <a:p>
             <a:r>
               <a:rPr lang="en-US" dirty="0"/>
-              <a:t>THE QUESTIONS</a:t>
+              <a:t>THE QUESTION</a:t>
             </a:r>
           </a:p>
         </p:txBody>
@@ -6173,40 +6521,6 @@
           </a:p>
         </p:txBody>
       </p:sp>
-      <p:pic>
-        <p:nvPicPr>
-          <p:cNvPr id="5" name="Google Shape;56;p13">
-            <a:extLst>
-              <a:ext uri="{FF2B5EF4-FFF2-40B4-BE49-F238E27FC236}">
-                <a16:creationId xmlns:a16="http://schemas.microsoft.com/office/drawing/2014/main" id="{0E49C163-C85A-4034-BFEE-A61682E43B31}"/>
-              </a:ext>
-            </a:extLst>
-          </p:cNvPr>
-          <p:cNvPicPr preferRelativeResize="0"/>
-          <p:nvPr/>
-        </p:nvPicPr>
-        <p:blipFill>
-          <a:blip r:embed="rId2">
-            <a:alphaModFix/>
-          </a:blip>
-          <a:stretch>
-            <a:fillRect/>
-          </a:stretch>
-        </p:blipFill>
-        <p:spPr>
-          <a:xfrm>
-            <a:off x="11196980" y="6370125"/>
-            <a:ext cx="774099" cy="296300"/>
-          </a:xfrm>
-          <a:prstGeom prst="rect">
-            <a:avLst/>
-          </a:prstGeom>
-          <a:noFill/>
-          <a:ln>
-            <a:noFill/>
-          </a:ln>
-        </p:spPr>
-      </p:pic>
       <p:sp>
         <p:nvSpPr>
           <p:cNvPr id="6" name="Freeform 8">
@@ -6820,7 +7134,7 @@
 </p:sld>
 </file>
 
-<file path=ppt/slides/slide15.xml><?xml version="1.0" encoding="utf-8"?>
+<file path=ppt/slides/slide16.xml><?xml version="1.0" encoding="utf-8"?>
 <p:sld xmlns:a="http://schemas.openxmlformats.org/drawingml/2006/main" xmlns:r="http://schemas.openxmlformats.org/officeDocument/2006/relationships" xmlns:p="http://schemas.openxmlformats.org/presentationml/2006/main" showMasterSp="0">
   <p:cSld>
     <p:spTree>
@@ -6854,7 +7168,7 @@
           <a:p>
             <a:r>
               <a:rPr lang="en-US" dirty="0"/>
-              <a:t>THE QUESTIONS DRILLED DOWN</a:t>
+              <a:t>THE QUESTION DRILLED DOWN</a:t>
             </a:r>
           </a:p>
         </p:txBody>
@@ -6878,6 +7192,12 @@
           <a:p>
             <a:r>
               <a:rPr lang="en-US" dirty="0"/>
+              <a:t>Assume that better means better ratings</a:t>
+            </a:r>
+          </a:p>
+          <a:p>
+            <a:r>
+              <a:rPr lang="en-US" dirty="0"/>
               <a:t>Free app vs Paid app rating distribution</a:t>
             </a:r>
           </a:p>
@@ -6893,40 +7213,6 @@
           </a:p>
         </p:txBody>
       </p:sp>
-      <p:pic>
-        <p:nvPicPr>
-          <p:cNvPr id="5" name="Google Shape;56;p13">
-            <a:extLst>
-              <a:ext uri="{FF2B5EF4-FFF2-40B4-BE49-F238E27FC236}">
-                <a16:creationId xmlns:a16="http://schemas.microsoft.com/office/drawing/2014/main" id="{0038DBAD-B544-4C81-A709-B78099C94EC4}"/>
-              </a:ext>
-            </a:extLst>
-          </p:cNvPr>
-          <p:cNvPicPr preferRelativeResize="0"/>
-          <p:nvPr/>
-        </p:nvPicPr>
-        <p:blipFill>
-          <a:blip r:embed="rId2">
-            <a:alphaModFix/>
-          </a:blip>
-          <a:stretch>
-            <a:fillRect/>
-          </a:stretch>
-        </p:blipFill>
-        <p:spPr>
-          <a:xfrm>
-            <a:off x="11196980" y="6370125"/>
-            <a:ext cx="774099" cy="296300"/>
-          </a:xfrm>
-          <a:prstGeom prst="rect">
-            <a:avLst/>
-          </a:prstGeom>
-          <a:noFill/>
-          <a:ln>
-            <a:noFill/>
-          </a:ln>
-        </p:spPr>
-      </p:pic>
       <p:sp>
         <p:nvSpPr>
           <p:cNvPr id="6" name="Freeform 9">
@@ -7301,9 +7587,17 @@
 </p:sld>
 </file>
 
-<file path=ppt/slides/slide16.xml><?xml version="1.0" encoding="utf-8"?>
+<file path=ppt/slides/slide17.xml><?xml version="1.0" encoding="utf-8"?>
 <p:sld xmlns:a="http://schemas.openxmlformats.org/drawingml/2006/main" xmlns:r="http://schemas.openxmlformats.org/officeDocument/2006/relationships" xmlns:p="http://schemas.openxmlformats.org/presentationml/2006/main" showMasterSp="0">
   <p:cSld>
+    <p:bg>
+      <p:bgPr>
+        <a:solidFill>
+          <a:srgbClr val="000000"/>
+        </a:solidFill>
+        <a:effectLst/>
+      </p:bgPr>
+    </p:bg>
     <p:spTree>
       <p:nvGrpSpPr>
         <p:cNvPr id="1" name=""/>
@@ -7318,6 +7612,42 @@
           <a:chExt cx="0" cy="0"/>
         </a:xfrm>
       </p:grpSpPr>
+      <p:pic>
+        <p:nvPicPr>
+          <p:cNvPr id="8" name="Picture 7">
+            <a:extLst>
+              <a:ext uri="{FF2B5EF4-FFF2-40B4-BE49-F238E27FC236}">
+                <a16:creationId xmlns:a16="http://schemas.microsoft.com/office/drawing/2014/main" id="{53D96843-A610-4E00-952B-7A063B108514}"/>
+              </a:ext>
+            </a:extLst>
+          </p:cNvPr>
+          <p:cNvPicPr>
+            <a:picLocks noChangeAspect="1"/>
+          </p:cNvPicPr>
+          <p:nvPr/>
+        </p:nvPicPr>
+        <p:blipFill>
+          <a:blip r:embed="rId2" cstate="print">
+            <a:extLst>
+              <a:ext uri="{28A0092B-C50C-407E-A947-70E740481C1C}">
+                <a14:useLocalDpi xmlns:a14="http://schemas.microsoft.com/office/drawing/2010/main" val="0"/>
+              </a:ext>
+            </a:extLst>
+          </a:blip>
+          <a:stretch>
+            <a:fillRect/>
+          </a:stretch>
+        </p:blipFill>
+        <p:spPr>
+          <a:xfrm>
+            <a:off x="4920535" y="2011680"/>
+            <a:ext cx="7269480" cy="4846320"/>
+          </a:xfrm>
+          <a:prstGeom prst="rect">
+            <a:avLst/>
+          </a:prstGeom>
+        </p:spPr>
+      </p:pic>
       <p:sp>
         <p:nvSpPr>
           <p:cNvPr id="2" name="Title 1"/>
@@ -7334,8 +7664,12 @@
           <a:lstStyle/>
           <a:p>
             <a:r>
-              <a:rPr lang="en-US" dirty="0"/>
-              <a:t>THE QUESTIONS</a:t>
+              <a:rPr lang="en-US" dirty="0">
+                <a:solidFill>
+                  <a:schemeClr val="bg1"/>
+                </a:solidFill>
+              </a:rPr>
+              <a:t>THE QUESTION</a:t>
             </a:r>
           </a:p>
         </p:txBody>
@@ -7350,52 +7684,27 @@
             <p:ph idx="1"/>
           </p:nvPr>
         </p:nvSpPr>
-        <p:spPr/>
+        <p:spPr>
+          <a:xfrm>
+            <a:off x="838200" y="1825625"/>
+            <a:ext cx="3980290" cy="4351338"/>
+          </a:xfrm>
+        </p:spPr>
         <p:txBody>
           <a:bodyPr/>
           <a:lstStyle/>
           <a:p>
             <a:r>
-              <a:rPr lang="en-US" dirty="0"/>
+              <a:rPr lang="en-US" dirty="0">
+                <a:solidFill>
+                  <a:schemeClr val="bg1"/>
+                </a:solidFill>
+              </a:rPr>
               <a:t>Which category is the “best”?</a:t>
             </a:r>
           </a:p>
         </p:txBody>
       </p:sp>
-      <p:pic>
-        <p:nvPicPr>
-          <p:cNvPr id="5" name="Google Shape;56;p13">
-            <a:extLst>
-              <a:ext uri="{FF2B5EF4-FFF2-40B4-BE49-F238E27FC236}">
-                <a16:creationId xmlns:a16="http://schemas.microsoft.com/office/drawing/2014/main" id="{5DF7A837-F8D3-45D3-88F7-6BF156A723D1}"/>
-              </a:ext>
-            </a:extLst>
-          </p:cNvPr>
-          <p:cNvPicPr preferRelativeResize="0"/>
-          <p:nvPr/>
-        </p:nvPicPr>
-        <p:blipFill>
-          <a:blip r:embed="rId2">
-            <a:alphaModFix/>
-          </a:blip>
-          <a:stretch>
-            <a:fillRect/>
-          </a:stretch>
-        </p:blipFill>
-        <p:spPr>
-          <a:xfrm>
-            <a:off x="11196980" y="6370125"/>
-            <a:ext cx="774099" cy="296300"/>
-          </a:xfrm>
-          <a:prstGeom prst="rect">
-            <a:avLst/>
-          </a:prstGeom>
-          <a:noFill/>
-          <a:ln>
-            <a:noFill/>
-          </a:ln>
-        </p:spPr>
-      </p:pic>
       <p:sp>
         <p:nvSpPr>
           <p:cNvPr id="6" name="Freeform 9">
@@ -7934,7 +8243,7 @@
 </p:sld>
 </file>
 
-<file path=ppt/slides/slide17.xml><?xml version="1.0" encoding="utf-8"?>
+<file path=ppt/slides/slide18.xml><?xml version="1.0" encoding="utf-8"?>
 <p:sld xmlns:a="http://schemas.openxmlformats.org/drawingml/2006/main" xmlns:r="http://schemas.openxmlformats.org/officeDocument/2006/relationships" xmlns:p="http://schemas.openxmlformats.org/presentationml/2006/main" showMasterSp="0">
   <p:cSld>
     <p:spTree>
@@ -7968,7 +8277,7 @@
           <a:p>
             <a:r>
               <a:rPr lang="en-US" dirty="0"/>
-              <a:t>THE QUESTIONS DRILLED DOWN</a:t>
+              <a:t>THE QUESTION DRILLED DOWN</a:t>
             </a:r>
           </a:p>
         </p:txBody>
@@ -7992,58 +8301,20 @@
           <a:p>
             <a:r>
               <a:rPr lang="en-US" dirty="0"/>
-              <a:t>Category wise distribution</a:t>
+              <a:t>Assume that best means high rating</a:t>
             </a:r>
           </a:p>
           <a:p>
-            <a:pPr lvl="1"/>
             <a:r>
               <a:rPr lang="en-US" dirty="0"/>
-              <a:t>Category wise average rating</a:t>
+              <a:t>Category wise ratings distribution</a:t>
             </a:r>
-          </a:p>
-          <a:p>
-            <a:endParaRPr lang="en-US" dirty="0"/>
           </a:p>
           <a:p>
             <a:endParaRPr lang="en-US" dirty="0"/>
           </a:p>
         </p:txBody>
       </p:sp>
-      <p:pic>
-        <p:nvPicPr>
-          <p:cNvPr id="5" name="Google Shape;56;p13">
-            <a:extLst>
-              <a:ext uri="{FF2B5EF4-FFF2-40B4-BE49-F238E27FC236}">
-                <a16:creationId xmlns:a16="http://schemas.microsoft.com/office/drawing/2014/main" id="{35BE68E1-8B24-49F6-BAB6-25701282884A}"/>
-              </a:ext>
-            </a:extLst>
-          </p:cNvPr>
-          <p:cNvPicPr preferRelativeResize="0"/>
-          <p:nvPr/>
-        </p:nvPicPr>
-        <p:blipFill>
-          <a:blip r:embed="rId2">
-            <a:alphaModFix/>
-          </a:blip>
-          <a:stretch>
-            <a:fillRect/>
-          </a:stretch>
-        </p:blipFill>
-        <p:spPr>
-          <a:xfrm>
-            <a:off x="11196980" y="6370125"/>
-            <a:ext cx="774099" cy="296300"/>
-          </a:xfrm>
-          <a:prstGeom prst="rect">
-            <a:avLst/>
-          </a:prstGeom>
-          <a:noFill/>
-          <a:ln>
-            <a:noFill/>
-          </a:ln>
-        </p:spPr>
-      </p:pic>
       <p:sp>
         <p:nvSpPr>
           <p:cNvPr id="6" name="Freeform 9">
@@ -8418,7 +8689,7 @@
 </p:sld>
 </file>
 
-<file path=ppt/slides/slide18.xml><?xml version="1.0" encoding="utf-8"?>
+<file path=ppt/slides/slide19.xml><?xml version="1.0" encoding="utf-8"?>
 <p:sld xmlns:a="http://schemas.openxmlformats.org/drawingml/2006/main" xmlns:r="http://schemas.openxmlformats.org/officeDocument/2006/relationships" xmlns:p="http://schemas.openxmlformats.org/presentationml/2006/main">
   <p:cSld>
     <p:spTree>
@@ -8519,43 +8790,15 @@
                   <a:schemeClr val="bg1"/>
                 </a:solidFill>
               </a:rPr>
-              <a:t>ONE CLICK ANALYTICS</a:t>
+              <a:t>SOME EXTRAS</a:t>
             </a:r>
           </a:p>
         </p:txBody>
       </p:sp>
-      <p:pic>
-        <p:nvPicPr>
-          <p:cNvPr id="4" name="Google Shape;56;p13"/>
-          <p:cNvPicPr preferRelativeResize="0"/>
-          <p:nvPr/>
-        </p:nvPicPr>
-        <p:blipFill>
-          <a:blip r:embed="rId3">
-            <a:alphaModFix/>
-          </a:blip>
-          <a:stretch>
-            <a:fillRect/>
-          </a:stretch>
-        </p:blipFill>
-        <p:spPr>
-          <a:xfrm>
-            <a:off x="11196981" y="193600"/>
-            <a:ext cx="774099" cy="296300"/>
-          </a:xfrm>
-          <a:prstGeom prst="rect">
-            <a:avLst/>
-          </a:prstGeom>
-          <a:noFill/>
-          <a:ln>
-            <a:noFill/>
-          </a:ln>
-        </p:spPr>
-      </p:pic>
     </p:spTree>
     <p:extLst>
       <p:ext uri="{BB962C8B-B14F-4D97-AF65-F5344CB8AC3E}">
-        <p14:creationId xmlns:p14="http://schemas.microsoft.com/office/powerpoint/2010/main" val="154074124"/>
+        <p14:creationId xmlns:p14="http://schemas.microsoft.com/office/powerpoint/2010/main" val="1039158850"/>
       </p:ext>
     </p:extLst>
   </p:cSld>
@@ -8585,6 +8828,41 @@
           <a:chExt cx="0" cy="0"/>
         </a:xfrm>
       </p:grpSpPr>
+      <p:pic>
+        <p:nvPicPr>
+          <p:cNvPr id="5" name="Picture 4">
+            <a:extLst>
+              <a:ext uri="{FF2B5EF4-FFF2-40B4-BE49-F238E27FC236}">
+                <a16:creationId xmlns:a16="http://schemas.microsoft.com/office/drawing/2014/main" id="{BEF00825-06B0-40C9-AE88-16D91B0D520E}"/>
+              </a:ext>
+            </a:extLst>
+          </p:cNvPr>
+          <p:cNvPicPr>
+            <a:picLocks noChangeAspect="1"/>
+          </p:cNvPicPr>
+          <p:nvPr/>
+        </p:nvPicPr>
+        <p:blipFill rotWithShape="1">
+          <a:blip r:embed="rId2" cstate="print">
+            <a:extLst>
+              <a:ext uri="{28A0092B-C50C-407E-A947-70E740481C1C}">
+                <a14:useLocalDpi xmlns:a14="http://schemas.microsoft.com/office/drawing/2010/main" val="0"/>
+              </a:ext>
+            </a:extLst>
+          </a:blip>
+          <a:srcRect l="4721" t="-23" r="12907" b="23"/>
+          <a:stretch/>
+        </p:blipFill>
+        <p:spPr>
+          <a:xfrm>
+            <a:off x="7672710" y="0"/>
+            <a:ext cx="4519290" cy="6858000"/>
+          </a:xfrm>
+          <a:prstGeom prst="rect">
+            <a:avLst/>
+          </a:prstGeom>
+        </p:spPr>
+      </p:pic>
       <p:sp>
         <p:nvSpPr>
           <p:cNvPr id="9" name="Freeform 5">
@@ -8752,237 +9030,6 @@
       </p:sp>
       <p:sp>
         <p:nvSpPr>
-          <p:cNvPr id="10" name="Freeform 6">
-            <a:extLst>
-              <a:ext uri="{FF2B5EF4-FFF2-40B4-BE49-F238E27FC236}">
-                <a16:creationId xmlns:a16="http://schemas.microsoft.com/office/drawing/2014/main" id="{C21E5A8C-AACE-41BB-8749-3FFCE0F77CF7}"/>
-              </a:ext>
-            </a:extLst>
-          </p:cNvPr>
-          <p:cNvSpPr>
-            <a:spLocks noEditPoints="1"/>
-          </p:cNvSpPr>
-          <p:nvPr/>
-        </p:nvSpPr>
-        <p:spPr bwMode="auto">
-          <a:xfrm>
-            <a:off x="10231004" y="1588"/>
-            <a:ext cx="1931953" cy="1824037"/>
-          </a:xfrm>
-          <a:custGeom>
-            <a:avLst/>
-            <a:gdLst>
-              <a:gd name="T0" fmla="*/ 12 w 3849"/>
-              <a:gd name="T1" fmla="*/ 0 h 3634"/>
-              <a:gd name="T2" fmla="*/ 12 w 3849"/>
-              <a:gd name="T3" fmla="*/ 508 h 3634"/>
-              <a:gd name="T4" fmla="*/ 0 w 3849"/>
-              <a:gd name="T5" fmla="*/ 508 h 3634"/>
-              <a:gd name="T6" fmla="*/ 0 w 3849"/>
-              <a:gd name="T7" fmla="*/ 0 h 3634"/>
-              <a:gd name="T8" fmla="*/ 12 w 3849"/>
-              <a:gd name="T9" fmla="*/ 0 h 3634"/>
-              <a:gd name="T10" fmla="*/ 2687 w 3849"/>
-              <a:gd name="T11" fmla="*/ 3622 h 3634"/>
-              <a:gd name="T12" fmla="*/ 2687 w 3849"/>
-              <a:gd name="T13" fmla="*/ 3634 h 3634"/>
-              <a:gd name="T14" fmla="*/ 3849 w 3849"/>
-              <a:gd name="T15" fmla="*/ 3634 h 3634"/>
-              <a:gd name="T16" fmla="*/ 3849 w 3849"/>
-              <a:gd name="T17" fmla="*/ 3622 h 3634"/>
-              <a:gd name="T18" fmla="*/ 2687 w 3849"/>
-              <a:gd name="T19" fmla="*/ 3622 h 3634"/>
-              <a:gd name="T20" fmla="*/ 2687 w 3849"/>
-              <a:gd name="T21" fmla="*/ 3628 h 3634"/>
-              <a:gd name="T22" fmla="*/ 3233 w 3849"/>
-              <a:gd name="T23" fmla="*/ 3628 h 3634"/>
-              <a:gd name="T24" fmla="*/ 3233 w 3849"/>
-              <a:gd name="T25" fmla="*/ 1668 h 3634"/>
-              <a:gd name="T26" fmla="*/ 2687 w 3849"/>
-              <a:gd name="T27" fmla="*/ 1668 h 3634"/>
-              <a:gd name="T28" fmla="*/ 2687 w 3849"/>
-              <a:gd name="T29" fmla="*/ 3628 h 3634"/>
-              <a:gd name="T30" fmla="*/ 2687 w 3849"/>
-              <a:gd name="T31" fmla="*/ 428 h 3634"/>
-              <a:gd name="T32" fmla="*/ 0 w 3849"/>
-              <a:gd name="T33" fmla="*/ 428 h 3634"/>
-              <a:gd name="T34" fmla="*/ 0 w 3849"/>
-              <a:gd name="T35" fmla="*/ 508 h 3634"/>
-              <a:gd name="T36" fmla="*/ 2130 w 3849"/>
-              <a:gd name="T37" fmla="*/ 508 h 3634"/>
-              <a:gd name="T38" fmla="*/ 2130 w 3849"/>
-              <a:gd name="T39" fmla="*/ 1668 h 3634"/>
-              <a:gd name="T40" fmla="*/ 2687 w 3849"/>
-              <a:gd name="T41" fmla="*/ 1668 h 3634"/>
-              <a:gd name="T42" fmla="*/ 2687 w 3849"/>
-              <a:gd name="T43" fmla="*/ 428 h 3634"/>
-            </a:gdLst>
-            <a:ahLst/>
-            <a:cxnLst>
-              <a:cxn ang="0">
-                <a:pos x="T0" y="T1"/>
-              </a:cxn>
-              <a:cxn ang="0">
-                <a:pos x="T2" y="T3"/>
-              </a:cxn>
-              <a:cxn ang="0">
-                <a:pos x="T4" y="T5"/>
-              </a:cxn>
-              <a:cxn ang="0">
-                <a:pos x="T6" y="T7"/>
-              </a:cxn>
-              <a:cxn ang="0">
-                <a:pos x="T8" y="T9"/>
-              </a:cxn>
-              <a:cxn ang="0">
-                <a:pos x="T10" y="T11"/>
-              </a:cxn>
-              <a:cxn ang="0">
-                <a:pos x="T12" y="T13"/>
-              </a:cxn>
-              <a:cxn ang="0">
-                <a:pos x="T14" y="T15"/>
-              </a:cxn>
-              <a:cxn ang="0">
-                <a:pos x="T16" y="T17"/>
-              </a:cxn>
-              <a:cxn ang="0">
-                <a:pos x="T18" y="T19"/>
-              </a:cxn>
-              <a:cxn ang="0">
-                <a:pos x="T20" y="T21"/>
-              </a:cxn>
-              <a:cxn ang="0">
-                <a:pos x="T22" y="T23"/>
-              </a:cxn>
-              <a:cxn ang="0">
-                <a:pos x="T24" y="T25"/>
-              </a:cxn>
-              <a:cxn ang="0">
-                <a:pos x="T26" y="T27"/>
-              </a:cxn>
-              <a:cxn ang="0">
-                <a:pos x="T28" y="T29"/>
-              </a:cxn>
-              <a:cxn ang="0">
-                <a:pos x="T30" y="T31"/>
-              </a:cxn>
-              <a:cxn ang="0">
-                <a:pos x="T32" y="T33"/>
-              </a:cxn>
-              <a:cxn ang="0">
-                <a:pos x="T34" y="T35"/>
-              </a:cxn>
-              <a:cxn ang="0">
-                <a:pos x="T36" y="T37"/>
-              </a:cxn>
-              <a:cxn ang="0">
-                <a:pos x="T38" y="T39"/>
-              </a:cxn>
-              <a:cxn ang="0">
-                <a:pos x="T40" y="T41"/>
-              </a:cxn>
-              <a:cxn ang="0">
-                <a:pos x="T42" y="T43"/>
-              </a:cxn>
-            </a:cxnLst>
-            <a:rect l="0" t="0" r="r" b="b"/>
-            <a:pathLst>
-              <a:path w="3849" h="3634">
-                <a:moveTo>
-                  <a:pt x="12" y="0"/>
-                </a:moveTo>
-                <a:lnTo>
-                  <a:pt x="12" y="508"/>
-                </a:lnTo>
-                <a:lnTo>
-                  <a:pt x="0" y="508"/>
-                </a:lnTo>
-                <a:lnTo>
-                  <a:pt x="0" y="0"/>
-                </a:lnTo>
-                <a:lnTo>
-                  <a:pt x="12" y="0"/>
-                </a:lnTo>
-                <a:close/>
-                <a:moveTo>
-                  <a:pt x="2687" y="3622"/>
-                </a:moveTo>
-                <a:lnTo>
-                  <a:pt x="2687" y="3634"/>
-                </a:lnTo>
-                <a:lnTo>
-                  <a:pt x="3849" y="3634"/>
-                </a:lnTo>
-                <a:lnTo>
-                  <a:pt x="3849" y="3622"/>
-                </a:lnTo>
-                <a:lnTo>
-                  <a:pt x="2687" y="3622"/>
-                </a:lnTo>
-                <a:close/>
-                <a:moveTo>
-                  <a:pt x="2687" y="3628"/>
-                </a:moveTo>
-                <a:lnTo>
-                  <a:pt x="3233" y="3628"/>
-                </a:lnTo>
-                <a:lnTo>
-                  <a:pt x="3233" y="1668"/>
-                </a:lnTo>
-                <a:lnTo>
-                  <a:pt x="2687" y="1668"/>
-                </a:lnTo>
-                <a:lnTo>
-                  <a:pt x="2687" y="3628"/>
-                </a:lnTo>
-                <a:close/>
-                <a:moveTo>
-                  <a:pt x="2687" y="428"/>
-                </a:moveTo>
-                <a:lnTo>
-                  <a:pt x="0" y="428"/>
-                </a:lnTo>
-                <a:lnTo>
-                  <a:pt x="0" y="508"/>
-                </a:lnTo>
-                <a:lnTo>
-                  <a:pt x="2130" y="508"/>
-                </a:lnTo>
-                <a:lnTo>
-                  <a:pt x="2130" y="1668"/>
-                </a:lnTo>
-                <a:lnTo>
-                  <a:pt x="2687" y="1668"/>
-                </a:lnTo>
-                <a:lnTo>
-                  <a:pt x="2687" y="428"/>
-                </a:lnTo>
-                <a:close/>
-              </a:path>
-            </a:pathLst>
-          </a:custGeom>
-          <a:solidFill>
-            <a:srgbClr val="CC1274"/>
-          </a:solidFill>
-          <a:ln>
-            <a:noFill/>
-          </a:ln>
-        </p:spPr>
-        <p:txBody>
-          <a:bodyPr vert="horz" wrap="square" lIns="45720" tIns="22860" rIns="45720" bIns="22860" numCol="1" anchor="t" anchorCtr="0" compatLnSpc="1">
-            <a:prstTxWarp prst="textNoShape">
-              <a:avLst/>
-            </a:prstTxWarp>
-          </a:bodyPr>
-          <a:lstStyle/>
-          <a:p>
-            <a:endParaRPr lang="en-US" sz="900"/>
-          </a:p>
-        </p:txBody>
-      </p:sp>
-      <p:sp>
-        <p:nvSpPr>
           <p:cNvPr id="2" name="Title 1"/>
           <p:cNvSpPr>
             <a:spLocks noGrp="1"/>
@@ -9016,14 +9063,18 @@
             <p:ph idx="1"/>
           </p:nvPr>
         </p:nvSpPr>
-        <p:spPr/>
+        <p:spPr>
+          <a:xfrm>
+            <a:off x="838200" y="1825625"/>
+            <a:ext cx="4957583" cy="4351338"/>
+          </a:xfrm>
+        </p:spPr>
         <p:txBody>
           <a:bodyPr/>
           <a:lstStyle/>
           <a:p>
             <a:r>
               <a:rPr lang="en-US" b="1" dirty="0">
-                <a:latin typeface="Roboto" panose="02000000000000000000" pitchFamily="2" charset="0"/>
                 <a:ea typeface="Roboto" panose="02000000000000000000" pitchFamily="2" charset="0"/>
               </a:rPr>
               <a:t>T</a:t>
@@ -9045,53 +9096,17 @@
               <a:t>that is easy to use, flexible and very powerful</a:t>
             </a:r>
             <a:endParaRPr lang="en-US" b="1" dirty="0">
-              <a:latin typeface="Roboto" panose="02000000000000000000" pitchFamily="2" charset="0"/>
               <a:ea typeface="Roboto" panose="02000000000000000000" pitchFamily="2" charset="0"/>
             </a:endParaRPr>
           </a:p>
           <a:p>
             <a:pPr lvl="1"/>
             <a:endParaRPr lang="en-US" dirty="0">
-              <a:latin typeface="Roboto" panose="02000000000000000000" pitchFamily="2" charset="0"/>
               <a:ea typeface="Roboto" panose="02000000000000000000" pitchFamily="2" charset="0"/>
             </a:endParaRPr>
           </a:p>
         </p:txBody>
       </p:sp>
-      <p:pic>
-        <p:nvPicPr>
-          <p:cNvPr id="11" name="Google Shape;56;p13">
-            <a:extLst>
-              <a:ext uri="{FF2B5EF4-FFF2-40B4-BE49-F238E27FC236}">
-                <a16:creationId xmlns:a16="http://schemas.microsoft.com/office/drawing/2014/main" id="{9909C71C-4B14-45B6-9636-E19CE8ECE4B5}"/>
-              </a:ext>
-            </a:extLst>
-          </p:cNvPr>
-          <p:cNvPicPr preferRelativeResize="0"/>
-          <p:nvPr/>
-        </p:nvPicPr>
-        <p:blipFill>
-          <a:blip r:embed="rId2">
-            <a:alphaModFix/>
-          </a:blip>
-          <a:stretch>
-            <a:fillRect/>
-          </a:stretch>
-        </p:blipFill>
-        <p:spPr>
-          <a:xfrm>
-            <a:off x="11196980" y="6370125"/>
-            <a:ext cx="774099" cy="296300"/>
-          </a:xfrm>
-          <a:prstGeom prst="rect">
-            <a:avLst/>
-          </a:prstGeom>
-          <a:noFill/>
-          <a:ln>
-            <a:noFill/>
-          </a:ln>
-        </p:spPr>
-      </p:pic>
     </p:spTree>
     <p:extLst>
       <p:ext uri="{BB962C8B-B14F-4D97-AF65-F5344CB8AC3E}">
@@ -9201,79 +9216,6 @@
                                   </p:childTnLst>
                                 </p:cTn>
                               </p:par>
-                              <p:par>
-                                <p:cTn id="9" presetID="2" presetClass="entr" presetSubtype="1" decel="100000" fill="hold" grpId="0" nodeType="withEffect">
-                                  <p:stCondLst>
-                                    <p:cond delay="0"/>
-                                  </p:stCondLst>
-                                  <p:childTnLst>
-                                    <p:set>
-                                      <p:cBhvr>
-                                        <p:cTn id="10" dur="1" fill="hold">
-                                          <p:stCondLst>
-                                            <p:cond delay="0"/>
-                                          </p:stCondLst>
-                                        </p:cTn>
-                                        <p:tgtEl>
-                                          <p:spTgt spid="10"/>
-                                        </p:tgtEl>
-                                        <p:attrNameLst>
-                                          <p:attrName>style.visibility</p:attrName>
-                                        </p:attrNameLst>
-                                      </p:cBhvr>
-                                      <p:to>
-                                        <p:strVal val="visible"/>
-                                      </p:to>
-                                    </p:set>
-                                    <p:anim calcmode="lin" valueType="num">
-                                      <p:cBhvr additive="base">
-                                        <p:cTn id="11" dur="500" fill="hold"/>
-                                        <p:tgtEl>
-                                          <p:spTgt spid="10"/>
-                                        </p:tgtEl>
-                                        <p:attrNameLst>
-                                          <p:attrName>ppt_x</p:attrName>
-                                        </p:attrNameLst>
-                                      </p:cBhvr>
-                                      <p:tavLst>
-                                        <p:tav tm="0">
-                                          <p:val>
-                                            <p:strVal val="#ppt_x"/>
-                                          </p:val>
-                                        </p:tav>
-                                        <p:tav tm="100000">
-                                          <p:val>
-                                            <p:strVal val="#ppt_x"/>
-                                          </p:val>
-                                        </p:tav>
-                                      </p:tavLst>
-                                    </p:anim>
-                                    <p:anim calcmode="lin" valueType="num">
-                                      <p:cBhvr additive="base">
-                                        <p:cTn id="12" dur="500" fill="hold"/>
-                                        <p:tgtEl>
-                                          <p:spTgt spid="10"/>
-                                        </p:tgtEl>
-                                        <p:attrNameLst>
-                                          <p:attrName>ppt_y</p:attrName>
-                                        </p:attrNameLst>
-                                      </p:cBhvr>
-                                      <p:tavLst>
-                                        <p:tav tm="0">
-                                          <p:val>
-                                            <p:strVal val="0-#ppt_h/2"/>
-                                          </p:val>
-                                        </p:tav>
-                                        <p:tav tm="100000">
-                                          <p:val>
-                                            <p:strVal val="#ppt_y"/>
-                                          </p:val>
-                                        </p:tav>
-                                      </p:tavLst>
-                                    </p:anim>
-                                  </p:childTnLst>
-                                </p:cTn>
-                              </p:par>
                             </p:childTnLst>
                           </p:cTn>
                         </p:par>
@@ -9303,9 +9245,130 @@
     </p:tnLst>
     <p:bldLst>
       <p:bldP spid="9" grpId="0" animBg="1"/>
-      <p:bldP spid="10" grpId="0" animBg="1"/>
     </p:bldLst>
   </p:timing>
+</p:sld>
+</file>
+
+<file path=ppt/slides/slide20.xml><?xml version="1.0" encoding="utf-8"?>
+<p:sld xmlns:a="http://schemas.openxmlformats.org/drawingml/2006/main" xmlns:r="http://schemas.openxmlformats.org/officeDocument/2006/relationships" xmlns:p="http://schemas.openxmlformats.org/presentationml/2006/main">
+  <p:cSld>
+    <p:spTree>
+      <p:nvGrpSpPr>
+        <p:cNvPr id="1" name=""/>
+        <p:cNvGrpSpPr/>
+        <p:nvPr/>
+      </p:nvGrpSpPr>
+      <p:grpSpPr>
+        <a:xfrm>
+          <a:off x="0" y="0"/>
+          <a:ext cx="0" cy="0"/>
+          <a:chOff x="0" y="0"/>
+          <a:chExt cx="0" cy="0"/>
+        </a:xfrm>
+      </p:grpSpPr>
+      <p:sp>
+        <p:nvSpPr>
+          <p:cNvPr id="7" name="Rectangle 6"/>
+          <p:cNvSpPr/>
+          <p:nvPr/>
+        </p:nvSpPr>
+        <p:spPr>
+          <a:xfrm>
+            <a:off x="0" y="0"/>
+            <a:ext cx="12192000" cy="6858000"/>
+          </a:xfrm>
+          <a:prstGeom prst="rect">
+            <a:avLst/>
+          </a:prstGeom>
+          <a:blipFill dpi="0" rotWithShape="1">
+            <a:blip r:embed="rId2">
+              <a:extLst>
+                <a:ext uri="{28A0092B-C50C-407E-A947-70E740481C1C}">
+                  <a14:useLocalDpi xmlns:a14="http://schemas.microsoft.com/office/drawing/2010/main" val="0"/>
+                </a:ext>
+              </a:extLst>
+            </a:blip>
+            <a:srcRect/>
+            <a:stretch>
+              <a:fillRect/>
+            </a:stretch>
+          </a:blipFill>
+          <a:ln>
+            <a:noFill/>
+          </a:ln>
+        </p:spPr>
+        <p:style>
+          <a:lnRef idx="2">
+            <a:schemeClr val="accent1">
+              <a:shade val="50000"/>
+            </a:schemeClr>
+          </a:lnRef>
+          <a:fillRef idx="1">
+            <a:schemeClr val="accent1"/>
+          </a:fillRef>
+          <a:effectRef idx="0">
+            <a:schemeClr val="accent1"/>
+          </a:effectRef>
+          <a:fontRef idx="minor">
+            <a:schemeClr val="lt1"/>
+          </a:fontRef>
+        </p:style>
+        <p:txBody>
+          <a:bodyPr rtlCol="0" anchor="ctr"/>
+          <a:lstStyle/>
+          <a:p>
+            <a:pPr algn="ctr"/>
+            <a:endParaRPr lang="en-US"/>
+          </a:p>
+        </p:txBody>
+      </p:sp>
+      <p:sp>
+        <p:nvSpPr>
+          <p:cNvPr id="2" name="Title 1"/>
+          <p:cNvSpPr>
+            <a:spLocks noGrp="1"/>
+          </p:cNvSpPr>
+          <p:nvPr>
+            <p:ph type="ctrTitle"/>
+          </p:nvPr>
+        </p:nvSpPr>
+        <p:spPr>
+          <a:xfrm>
+            <a:off x="1766840" y="2913017"/>
+            <a:ext cx="8658321" cy="1031966"/>
+          </a:xfrm>
+        </p:spPr>
+        <p:txBody>
+          <a:bodyPr anchor="ctr">
+            <a:normAutofit/>
+          </a:bodyPr>
+          <a:lstStyle/>
+          <a:p>
+            <a:r>
+              <a:rPr lang="en-US" sz="5400" dirty="0">
+                <a:solidFill>
+                  <a:schemeClr val="bg1"/>
+                </a:solidFill>
+              </a:rPr>
+              <a:t>ONE CLICK ANALYTICS</a:t>
+            </a:r>
+          </a:p>
+        </p:txBody>
+      </p:sp>
+    </p:spTree>
+    <p:extLst>
+      <p:ext uri="{BB962C8B-B14F-4D97-AF65-F5344CB8AC3E}">
+        <p14:creationId xmlns:p14="http://schemas.microsoft.com/office/powerpoint/2010/main" val="154074124"/>
+      </p:ext>
+    </p:extLst>
+  </p:cSld>
+  <p:clrMapOvr>
+    <a:masterClrMapping/>
+  </p:clrMapOvr>
+  <p:transition spd="slow">
+    <p:wipe/>
+  </p:transition>
 </p:sld>
 </file>
 
@@ -9415,34 +9478,6 @@
           </a:p>
         </p:txBody>
       </p:sp>
-      <p:pic>
-        <p:nvPicPr>
-          <p:cNvPr id="4" name="Google Shape;56;p13"/>
-          <p:cNvPicPr preferRelativeResize="0"/>
-          <p:nvPr/>
-        </p:nvPicPr>
-        <p:blipFill>
-          <a:blip r:embed="rId3">
-            <a:alphaModFix/>
-          </a:blip>
-          <a:stretch>
-            <a:fillRect/>
-          </a:stretch>
-        </p:blipFill>
-        <p:spPr>
-          <a:xfrm>
-            <a:off x="11196981" y="193600"/>
-            <a:ext cx="774099" cy="296300"/>
-          </a:xfrm>
-          <a:prstGeom prst="rect">
-            <a:avLst/>
-          </a:prstGeom>
-          <a:noFill/>
-          <a:ln>
-            <a:noFill/>
-          </a:ln>
-        </p:spPr>
-      </p:pic>
     </p:spTree>
     <p:extLst>
       <p:ext uri="{BB962C8B-B14F-4D97-AF65-F5344CB8AC3E}">
@@ -9518,27 +9553,24 @@
           <a:p>
             <a:r>
               <a:rPr lang="en-US" dirty="0">
-                <a:latin typeface="Roboto" panose="02000000000000000000" pitchFamily="2" charset="0"/>
                 <a:ea typeface="Roboto" panose="02000000000000000000" pitchFamily="2" charset="0"/>
               </a:rPr>
-              <a:t>Excel is for</a:t>
+              <a:t>Excel</a:t>
             </a:r>
           </a:p>
           <a:p>
             <a:pPr lvl="1"/>
             <a:r>
               <a:rPr lang="en-US" dirty="0">
-                <a:latin typeface="Roboto" panose="02000000000000000000" pitchFamily="2" charset="0"/>
                 <a:ea typeface="Roboto" panose="02000000000000000000" pitchFamily="2" charset="0"/>
               </a:rPr>
-              <a:t>Spreadsheets</a:t>
+              <a:t>Spreadsheet software</a:t>
             </a:r>
           </a:p>
           <a:p>
             <a:pPr lvl="1"/>
             <a:r>
               <a:rPr lang="en-US" dirty="0">
-                <a:latin typeface="Roboto" panose="02000000000000000000" pitchFamily="2" charset="0"/>
                 <a:ea typeface="Roboto" panose="02000000000000000000" pitchFamily="2" charset="0"/>
               </a:rPr>
               <a:t>Almost inoperable for very large datasets</a:t>
@@ -9548,7 +9580,6 @@
             <a:pPr lvl="1"/>
             <a:r>
               <a:rPr lang="en-US" dirty="0">
-                <a:latin typeface="Roboto" panose="02000000000000000000" pitchFamily="2" charset="0"/>
                 <a:ea typeface="Roboto" panose="02000000000000000000" pitchFamily="2" charset="0"/>
               </a:rPr>
               <a:t>Making graphs is unintuitive</a:t>
@@ -9558,7 +9589,6 @@
             <a:pPr lvl="1"/>
             <a:r>
               <a:rPr lang="en-US" dirty="0">
-                <a:latin typeface="Roboto" panose="02000000000000000000" pitchFamily="2" charset="0"/>
                 <a:ea typeface="Roboto" panose="02000000000000000000" pitchFamily="2" charset="0"/>
               </a:rPr>
               <a:t>Not a visual application</a:t>
@@ -9567,46 +9597,11 @@
           <a:p>
             <a:pPr lvl="1"/>
             <a:endParaRPr lang="en-US" dirty="0">
-              <a:latin typeface="Roboto" panose="02000000000000000000" pitchFamily="2" charset="0"/>
               <a:ea typeface="Roboto" panose="02000000000000000000" pitchFamily="2" charset="0"/>
             </a:endParaRPr>
           </a:p>
         </p:txBody>
       </p:sp>
-      <p:pic>
-        <p:nvPicPr>
-          <p:cNvPr id="5" name="Google Shape;56;p13">
-            <a:extLst>
-              <a:ext uri="{FF2B5EF4-FFF2-40B4-BE49-F238E27FC236}">
-                <a16:creationId xmlns:a16="http://schemas.microsoft.com/office/drawing/2014/main" id="{C05B1047-2097-4915-ADCC-8364B6722FA4}"/>
-              </a:ext>
-            </a:extLst>
-          </p:cNvPr>
-          <p:cNvPicPr preferRelativeResize="0"/>
-          <p:nvPr/>
-        </p:nvPicPr>
-        <p:blipFill>
-          <a:blip r:embed="rId2">
-            <a:alphaModFix/>
-          </a:blip>
-          <a:stretch>
-            <a:fillRect/>
-          </a:stretch>
-        </p:blipFill>
-        <p:spPr>
-          <a:xfrm>
-            <a:off x="11196980" y="6370125"/>
-            <a:ext cx="774099" cy="296300"/>
-          </a:xfrm>
-          <a:prstGeom prst="rect">
-            <a:avLst/>
-          </a:prstGeom>
-          <a:noFill/>
-          <a:ln>
-            <a:noFill/>
-          </a:ln>
-        </p:spPr>
-      </p:pic>
       <p:sp>
         <p:nvSpPr>
           <p:cNvPr id="6" name="Freeform 5">
@@ -10003,6 +9998,53 @@
           </a:p>
         </p:txBody>
       </p:sp>
+      <p:pic>
+        <p:nvPicPr>
+          <p:cNvPr id="2050" name="Picture 2">
+            <a:extLst>
+              <a:ext uri="{FF2B5EF4-FFF2-40B4-BE49-F238E27FC236}">
+                <a16:creationId xmlns:a16="http://schemas.microsoft.com/office/drawing/2014/main" id="{403277F7-C9E9-400C-87B4-ACC364353C29}"/>
+              </a:ext>
+            </a:extLst>
+          </p:cNvPr>
+          <p:cNvPicPr>
+            <a:picLocks noChangeAspect="1" noChangeArrowheads="1"/>
+          </p:cNvPicPr>
+          <p:nvPr/>
+        </p:nvPicPr>
+        <p:blipFill>
+          <a:blip r:embed="rId2" cstate="print">
+            <a:extLst>
+              <a:ext uri="{28A0092B-C50C-407E-A947-70E740481C1C}">
+                <a14:useLocalDpi xmlns:a14="http://schemas.microsoft.com/office/drawing/2010/main" val="0"/>
+              </a:ext>
+            </a:extLst>
+          </a:blip>
+          <a:srcRect/>
+          <a:stretch>
+            <a:fillRect/>
+          </a:stretch>
+        </p:blipFill>
+        <p:spPr bwMode="auto">
+          <a:xfrm>
+            <a:off x="9198429" y="2296313"/>
+            <a:ext cx="1391054" cy="1391054"/>
+          </a:xfrm>
+          <a:prstGeom prst="rect">
+            <a:avLst/>
+          </a:prstGeom>
+          <a:noFill/>
+          <a:extLst>
+            <a:ext uri="{909E8E84-426E-40DD-AFC4-6F175D3DCCD1}">
+              <a14:hiddenFill xmlns:a14="http://schemas.microsoft.com/office/drawing/2010/main">
+                <a:solidFill>
+                  <a:srgbClr val="FFFFFF"/>
+                </a:solidFill>
+              </a14:hiddenFill>
+            </a:ext>
+          </a:extLst>
+        </p:spPr>
+      </p:pic>
     </p:spTree>
     <p:extLst>
       <p:ext uri="{BB962C8B-B14F-4D97-AF65-F5344CB8AC3E}">
@@ -10223,6 +10265,23 @@
 <file path=ppt/slides/slide5.xml><?xml version="1.0" encoding="utf-8"?>
 <p:sld xmlns:a="http://schemas.openxmlformats.org/drawingml/2006/main" xmlns:r="http://schemas.openxmlformats.org/officeDocument/2006/relationships" xmlns:p="http://schemas.openxmlformats.org/presentationml/2006/main" showMasterSp="0">
   <p:cSld>
+    <p:bg>
+      <p:bgPr>
+        <a:gradFill flip="none" rotWithShape="1">
+          <a:gsLst>
+            <a:gs pos="0">
+              <a:srgbClr val="FBF1F2"/>
+            </a:gs>
+            <a:gs pos="100000">
+              <a:srgbClr val="FCF7F9"/>
+            </a:gs>
+          </a:gsLst>
+          <a:lin ang="5400000" scaled="1"/>
+          <a:tileRect/>
+        </a:gradFill>
+        <a:effectLst/>
+      </p:bgPr>
+    </p:bg>
     <p:spTree>
       <p:nvGrpSpPr>
         <p:cNvPr id="1" name=""/>
@@ -10290,6 +10349,20 @@
             <a:pPr lvl="1"/>
             <a:r>
               <a:rPr lang="en-US" dirty="0"/>
+              <a:t>Simple</a:t>
+            </a:r>
+          </a:p>
+          <a:p>
+            <a:pPr lvl="1"/>
+            <a:r>
+              <a:rPr lang="en-US" dirty="0"/>
+              <a:t>Fast, even with large datasets</a:t>
+            </a:r>
+          </a:p>
+          <a:p>
+            <a:pPr lvl="1"/>
+            <a:r>
+              <a:rPr lang="en-US" dirty="0"/>
               <a:t>Scalable</a:t>
             </a:r>
           </a:p>
@@ -10298,13 +10371,6 @@
             <a:r>
               <a:rPr lang="en-US" dirty="0"/>
               <a:t>Can draw in data from many sources</a:t>
-            </a:r>
-          </a:p>
-          <a:p>
-            <a:pPr lvl="1"/>
-            <a:r>
-              <a:rPr lang="en-US" dirty="0"/>
-              <a:t>Simple</a:t>
             </a:r>
           </a:p>
           <a:p>
@@ -10725,36 +10791,49 @@
       </p:sp>
       <p:pic>
         <p:nvPicPr>
-          <p:cNvPr id="7" name="Google Shape;56;p13">
+          <p:cNvPr id="1026" name="Picture 2" descr="Media Download Center">
             <a:extLst>
               <a:ext uri="{FF2B5EF4-FFF2-40B4-BE49-F238E27FC236}">
-                <a16:creationId xmlns:a16="http://schemas.microsoft.com/office/drawing/2014/main" id="{100DB929-9CF3-4FEF-ADD7-2D2164E92F60}"/>
+                <a16:creationId xmlns:a16="http://schemas.microsoft.com/office/drawing/2014/main" id="{4DC3B569-41D8-43A0-BFF3-1CB4C9E865DB}"/>
               </a:ext>
             </a:extLst>
           </p:cNvPr>
-          <p:cNvPicPr preferRelativeResize="0"/>
+          <p:cNvPicPr>
+            <a:picLocks noChangeAspect="1" noChangeArrowheads="1"/>
+          </p:cNvPicPr>
           <p:nvPr/>
         </p:nvPicPr>
         <p:blipFill>
           <a:blip r:embed="rId2">
-            <a:alphaModFix/>
+            <a:extLst>
+              <a:ext uri="{28A0092B-C50C-407E-A947-70E740481C1C}">
+                <a14:useLocalDpi xmlns:a14="http://schemas.microsoft.com/office/drawing/2010/main" val="0"/>
+              </a:ext>
+            </a:extLst>
           </a:blip>
+          <a:srcRect/>
           <a:stretch>
             <a:fillRect/>
           </a:stretch>
         </p:blipFill>
-        <p:spPr>
+        <p:spPr bwMode="auto">
           <a:xfrm>
-            <a:off x="11196980" y="6370125"/>
-            <a:ext cx="774099" cy="296300"/>
+            <a:off x="7652371" y="2815431"/>
+            <a:ext cx="3771900" cy="790575"/>
           </a:xfrm>
           <a:prstGeom prst="rect">
             <a:avLst/>
           </a:prstGeom>
           <a:noFill/>
-          <a:ln>
-            <a:noFill/>
-          </a:ln>
+          <a:extLst>
+            <a:ext uri="{909E8E84-426E-40DD-AFC4-6F175D3DCCD1}">
+              <a14:hiddenFill xmlns:a14="http://schemas.microsoft.com/office/drawing/2010/main">
+                <a:solidFill>
+                  <a:srgbClr val="FFFFFF"/>
+                </a:solidFill>
+              </a14:hiddenFill>
+            </a:ext>
+          </a:extLst>
         </p:spPr>
       </p:pic>
     </p:spTree>
@@ -11077,34 +11156,6 @@
           </a:p>
         </p:txBody>
       </p:sp>
-      <p:pic>
-        <p:nvPicPr>
-          <p:cNvPr id="4" name="Google Shape;56;p13"/>
-          <p:cNvPicPr preferRelativeResize="0"/>
-          <p:nvPr/>
-        </p:nvPicPr>
-        <p:blipFill>
-          <a:blip r:embed="rId3">
-            <a:alphaModFix/>
-          </a:blip>
-          <a:stretch>
-            <a:fillRect/>
-          </a:stretch>
-        </p:blipFill>
-        <p:spPr>
-          <a:xfrm>
-            <a:off x="11196981" y="193600"/>
-            <a:ext cx="774099" cy="296300"/>
-          </a:xfrm>
-          <a:prstGeom prst="rect">
-            <a:avLst/>
-          </a:prstGeom>
-          <a:noFill/>
-          <a:ln>
-            <a:noFill/>
-          </a:ln>
-        </p:spPr>
-      </p:pic>
     </p:spTree>
     <p:extLst>
       <p:ext uri="{BB962C8B-B14F-4D97-AF65-F5344CB8AC3E}">
@@ -11138,6 +11189,42 @@
           <a:chExt cx="0" cy="0"/>
         </a:xfrm>
       </p:grpSpPr>
+      <p:pic>
+        <p:nvPicPr>
+          <p:cNvPr id="12" name="Picture 11">
+            <a:extLst>
+              <a:ext uri="{FF2B5EF4-FFF2-40B4-BE49-F238E27FC236}">
+                <a16:creationId xmlns:a16="http://schemas.microsoft.com/office/drawing/2014/main" id="{5DC5A054-4F47-462C-9D33-DB9D5376009B}"/>
+              </a:ext>
+            </a:extLst>
+          </p:cNvPr>
+          <p:cNvPicPr>
+            <a:picLocks noChangeAspect="1"/>
+          </p:cNvPicPr>
+          <p:nvPr/>
+        </p:nvPicPr>
+        <p:blipFill>
+          <a:blip r:embed="rId2" cstate="print">
+            <a:extLst>
+              <a:ext uri="{28A0092B-C50C-407E-A947-70E740481C1C}">
+                <a14:useLocalDpi xmlns:a14="http://schemas.microsoft.com/office/drawing/2010/main" val="0"/>
+              </a:ext>
+            </a:extLst>
+          </a:blip>
+          <a:stretch>
+            <a:fillRect/>
+          </a:stretch>
+        </p:blipFill>
+        <p:spPr>
+          <a:xfrm>
+            <a:off x="5333604" y="0"/>
+            <a:ext cx="6858000" cy="6858000"/>
+          </a:xfrm>
+          <a:prstGeom prst="rect">
+            <a:avLst/>
+          </a:prstGeom>
+        </p:spPr>
+      </p:pic>
       <p:sp>
         <p:nvSpPr>
           <p:cNvPr id="2" name="Title 1"/>
@@ -11170,7 +11257,12 @@
             <p:ph idx="1"/>
           </p:nvPr>
         </p:nvSpPr>
-        <p:spPr/>
+        <p:spPr>
+          <a:xfrm>
+            <a:off x="838200" y="1825625"/>
+            <a:ext cx="5851358" cy="4351338"/>
+          </a:xfrm>
+        </p:spPr>
         <p:txBody>
           <a:bodyPr/>
           <a:lstStyle/>
@@ -11200,40 +11292,6 @@
           </a:p>
         </p:txBody>
       </p:sp>
-      <p:pic>
-        <p:nvPicPr>
-          <p:cNvPr id="5" name="Google Shape;56;p13">
-            <a:extLst>
-              <a:ext uri="{FF2B5EF4-FFF2-40B4-BE49-F238E27FC236}">
-                <a16:creationId xmlns:a16="http://schemas.microsoft.com/office/drawing/2014/main" id="{DA238A71-900C-4020-8E43-1A4C26DE7ED0}"/>
-              </a:ext>
-            </a:extLst>
-          </p:cNvPr>
-          <p:cNvPicPr preferRelativeResize="0"/>
-          <p:nvPr/>
-        </p:nvPicPr>
-        <p:blipFill>
-          <a:blip r:embed="rId2">
-            <a:alphaModFix/>
-          </a:blip>
-          <a:stretch>
-            <a:fillRect/>
-          </a:stretch>
-        </p:blipFill>
-        <p:spPr>
-          <a:xfrm>
-            <a:off x="11196980" y="6370125"/>
-            <a:ext cx="774099" cy="296300"/>
-          </a:xfrm>
-          <a:prstGeom prst="rect">
-            <a:avLst/>
-          </a:prstGeom>
-          <a:noFill/>
-          <a:ln>
-            <a:noFill/>
-          </a:ln>
-        </p:spPr>
-      </p:pic>
       <p:sp>
         <p:nvSpPr>
           <p:cNvPr id="7" name="Freeform 9">
@@ -11441,162 +11499,6 @@
                 </a:lnTo>
                 <a:lnTo>
                   <a:pt x="2687" y="428"/>
-                </a:lnTo>
-                <a:close/>
-              </a:path>
-            </a:pathLst>
-          </a:custGeom>
-          <a:solidFill>
-            <a:srgbClr val="CC1274"/>
-          </a:solidFill>
-          <a:ln>
-            <a:noFill/>
-          </a:ln>
-        </p:spPr>
-        <p:txBody>
-          <a:bodyPr vert="horz" wrap="square" lIns="45720" tIns="22860" rIns="45720" bIns="22860" numCol="1" anchor="t" anchorCtr="0" compatLnSpc="1">
-            <a:prstTxWarp prst="textNoShape">
-              <a:avLst/>
-            </a:prstTxWarp>
-          </a:bodyPr>
-          <a:lstStyle/>
-          <a:p>
-            <a:endParaRPr lang="en-US" sz="900"/>
-          </a:p>
-        </p:txBody>
-      </p:sp>
-      <p:sp>
-        <p:nvSpPr>
-          <p:cNvPr id="8" name="Freeform 5">
-            <a:extLst>
-              <a:ext uri="{FF2B5EF4-FFF2-40B4-BE49-F238E27FC236}">
-                <a16:creationId xmlns:a16="http://schemas.microsoft.com/office/drawing/2014/main" id="{D03BB8BC-02B5-4564-937D-2F98FAA32E76}"/>
-              </a:ext>
-            </a:extLst>
-          </p:cNvPr>
-          <p:cNvSpPr>
-            <a:spLocks/>
-          </p:cNvSpPr>
-          <p:nvPr/>
-        </p:nvSpPr>
-        <p:spPr bwMode="auto">
-          <a:xfrm>
-            <a:off x="11557686" y="1690688"/>
-            <a:ext cx="641062" cy="1092200"/>
-          </a:xfrm>
-          <a:custGeom>
-            <a:avLst/>
-            <a:gdLst>
-              <a:gd name="T0" fmla="*/ 1154 w 1154"/>
-              <a:gd name="T1" fmla="*/ 188 h 1950"/>
-              <a:gd name="T2" fmla="*/ 1154 w 1154"/>
-              <a:gd name="T3" fmla="*/ 0 h 1950"/>
-              <a:gd name="T4" fmla="*/ 0 w 1154"/>
-              <a:gd name="T5" fmla="*/ 0 h 1950"/>
-              <a:gd name="T6" fmla="*/ 0 w 1154"/>
-              <a:gd name="T7" fmla="*/ 6 h 1950"/>
-              <a:gd name="T8" fmla="*/ 0 w 1154"/>
-              <a:gd name="T9" fmla="*/ 188 h 1950"/>
-              <a:gd name="T10" fmla="*/ 0 w 1154"/>
-              <a:gd name="T11" fmla="*/ 1938 h 1950"/>
-              <a:gd name="T12" fmla="*/ 0 w 1154"/>
-              <a:gd name="T13" fmla="*/ 1950 h 1950"/>
-              <a:gd name="T14" fmla="*/ 542 w 1154"/>
-              <a:gd name="T15" fmla="*/ 1950 h 1950"/>
-              <a:gd name="T16" fmla="*/ 1154 w 1154"/>
-              <a:gd name="T17" fmla="*/ 1950 h 1950"/>
-              <a:gd name="T18" fmla="*/ 1154 w 1154"/>
-              <a:gd name="T19" fmla="*/ 1938 h 1950"/>
-              <a:gd name="T20" fmla="*/ 542 w 1154"/>
-              <a:gd name="T21" fmla="*/ 1938 h 1950"/>
-              <a:gd name="T22" fmla="*/ 542 w 1154"/>
-              <a:gd name="T23" fmla="*/ 188 h 1950"/>
-              <a:gd name="T24" fmla="*/ 1154 w 1154"/>
-              <a:gd name="T25" fmla="*/ 188 h 1950"/>
-            </a:gdLst>
-            <a:ahLst/>
-            <a:cxnLst>
-              <a:cxn ang="0">
-                <a:pos x="T0" y="T1"/>
-              </a:cxn>
-              <a:cxn ang="0">
-                <a:pos x="T2" y="T3"/>
-              </a:cxn>
-              <a:cxn ang="0">
-                <a:pos x="T4" y="T5"/>
-              </a:cxn>
-              <a:cxn ang="0">
-                <a:pos x="T6" y="T7"/>
-              </a:cxn>
-              <a:cxn ang="0">
-                <a:pos x="T8" y="T9"/>
-              </a:cxn>
-              <a:cxn ang="0">
-                <a:pos x="T10" y="T11"/>
-              </a:cxn>
-              <a:cxn ang="0">
-                <a:pos x="T12" y="T13"/>
-              </a:cxn>
-              <a:cxn ang="0">
-                <a:pos x="T14" y="T15"/>
-              </a:cxn>
-              <a:cxn ang="0">
-                <a:pos x="T16" y="T17"/>
-              </a:cxn>
-              <a:cxn ang="0">
-                <a:pos x="T18" y="T19"/>
-              </a:cxn>
-              <a:cxn ang="0">
-                <a:pos x="T20" y="T21"/>
-              </a:cxn>
-              <a:cxn ang="0">
-                <a:pos x="T22" y="T23"/>
-              </a:cxn>
-              <a:cxn ang="0">
-                <a:pos x="T24" y="T25"/>
-              </a:cxn>
-            </a:cxnLst>
-            <a:rect l="0" t="0" r="r" b="b"/>
-            <a:pathLst>
-              <a:path w="1154" h="1950">
-                <a:moveTo>
-                  <a:pt x="1154" y="188"/>
-                </a:moveTo>
-                <a:lnTo>
-                  <a:pt x="1154" y="0"/>
-                </a:lnTo>
-                <a:lnTo>
-                  <a:pt x="0" y="0"/>
-                </a:lnTo>
-                <a:lnTo>
-                  <a:pt x="0" y="6"/>
-                </a:lnTo>
-                <a:lnTo>
-                  <a:pt x="0" y="188"/>
-                </a:lnTo>
-                <a:lnTo>
-                  <a:pt x="0" y="1938"/>
-                </a:lnTo>
-                <a:lnTo>
-                  <a:pt x="0" y="1950"/>
-                </a:lnTo>
-                <a:lnTo>
-                  <a:pt x="542" y="1950"/>
-                </a:lnTo>
-                <a:lnTo>
-                  <a:pt x="1154" y="1950"/>
-                </a:lnTo>
-                <a:lnTo>
-                  <a:pt x="1154" y="1938"/>
-                </a:lnTo>
-                <a:lnTo>
-                  <a:pt x="542" y="1938"/>
-                </a:lnTo>
-                <a:lnTo>
-                  <a:pt x="542" y="188"/>
-                </a:lnTo>
-                <a:lnTo>
-                  <a:pt x="1154" y="188"/>
                 </a:lnTo>
                 <a:close/>
               </a:path>
@@ -11730,79 +11632,6 @@
                                   </p:childTnLst>
                                 </p:cTn>
                               </p:par>
-                              <p:par>
-                                <p:cTn id="9" presetID="2" presetClass="entr" presetSubtype="1" decel="100000" fill="hold" grpId="0" nodeType="withEffect">
-                                  <p:stCondLst>
-                                    <p:cond delay="0"/>
-                                  </p:stCondLst>
-                                  <p:childTnLst>
-                                    <p:set>
-                                      <p:cBhvr>
-                                        <p:cTn id="10" dur="1" fill="hold">
-                                          <p:stCondLst>
-                                            <p:cond delay="0"/>
-                                          </p:stCondLst>
-                                        </p:cTn>
-                                        <p:tgtEl>
-                                          <p:spTgt spid="8"/>
-                                        </p:tgtEl>
-                                        <p:attrNameLst>
-                                          <p:attrName>style.visibility</p:attrName>
-                                        </p:attrNameLst>
-                                      </p:cBhvr>
-                                      <p:to>
-                                        <p:strVal val="visible"/>
-                                      </p:to>
-                                    </p:set>
-                                    <p:anim calcmode="lin" valueType="num">
-                                      <p:cBhvr additive="base">
-                                        <p:cTn id="11" dur="500" fill="hold"/>
-                                        <p:tgtEl>
-                                          <p:spTgt spid="8"/>
-                                        </p:tgtEl>
-                                        <p:attrNameLst>
-                                          <p:attrName>ppt_x</p:attrName>
-                                        </p:attrNameLst>
-                                      </p:cBhvr>
-                                      <p:tavLst>
-                                        <p:tav tm="0">
-                                          <p:val>
-                                            <p:strVal val="#ppt_x"/>
-                                          </p:val>
-                                        </p:tav>
-                                        <p:tav tm="100000">
-                                          <p:val>
-                                            <p:strVal val="#ppt_x"/>
-                                          </p:val>
-                                        </p:tav>
-                                      </p:tavLst>
-                                    </p:anim>
-                                    <p:anim calcmode="lin" valueType="num">
-                                      <p:cBhvr additive="base">
-                                        <p:cTn id="12" dur="500" fill="hold"/>
-                                        <p:tgtEl>
-                                          <p:spTgt spid="8"/>
-                                        </p:tgtEl>
-                                        <p:attrNameLst>
-                                          <p:attrName>ppt_y</p:attrName>
-                                        </p:attrNameLst>
-                                      </p:cBhvr>
-                                      <p:tavLst>
-                                        <p:tav tm="0">
-                                          <p:val>
-                                            <p:strVal val="0-#ppt_h/2"/>
-                                          </p:val>
-                                        </p:tav>
-                                        <p:tav tm="100000">
-                                          <p:val>
-                                            <p:strVal val="#ppt_y"/>
-                                          </p:val>
-                                        </p:tav>
-                                      </p:tavLst>
-                                    </p:anim>
-                                  </p:childTnLst>
-                                </p:cTn>
-                              </p:par>
                             </p:childTnLst>
                           </p:cTn>
                         </p:par>
@@ -11832,7 +11661,6 @@
     </p:tnLst>
     <p:bldLst>
       <p:bldP spid="7" grpId="0" animBg="1"/>
-      <p:bldP spid="8" grpId="0" animBg="1"/>
     </p:bldLst>
   </p:timing>
 </p:sld>
@@ -11887,7 +11715,12 @@
             <p:ph idx="1"/>
           </p:nvPr>
         </p:nvSpPr>
-        <p:spPr/>
+        <p:spPr>
+          <a:xfrm>
+            <a:off x="838200" y="1825625"/>
+            <a:ext cx="6728171" cy="4351338"/>
+          </a:xfrm>
+        </p:spPr>
         <p:txBody>
           <a:bodyPr/>
           <a:lstStyle/>
@@ -11895,6 +11728,13 @@
             <a:r>
               <a:rPr lang="en-US" dirty="0"/>
               <a:t>Dimension</a:t>
+            </a:r>
+          </a:p>
+          <a:p>
+            <a:pPr lvl="1"/>
+            <a:r>
+              <a:rPr lang="en-US" dirty="0"/>
+              <a:t>A categorical variable</a:t>
             </a:r>
           </a:p>
           <a:p>
@@ -11908,70 +11748,15 @@
             <a:pPr lvl="1"/>
             <a:r>
               <a:rPr lang="en-US" dirty="0"/>
-              <a:t>An example would be male/female, color, genre, </a:t>
+              <a:t>An example would be male/female, color, genre, etc.</a:t>
             </a:r>
-            <a:r>
-              <a:rPr lang="en-US" dirty="0" err="1"/>
-              <a:t>etc</a:t>
-            </a:r>
+          </a:p>
+          <a:p>
+            <a:pPr lvl="1"/>
             <a:endParaRPr lang="en-US" dirty="0"/>
-          </a:p>
-          <a:p>
-            <a:r>
-              <a:rPr lang="en-US" dirty="0"/>
-              <a:t>Measure</a:t>
-            </a:r>
-          </a:p>
-          <a:p>
-            <a:pPr lvl="1"/>
-            <a:r>
-              <a:rPr lang="en-US" dirty="0"/>
-              <a:t>Any variable that is being counted</a:t>
-            </a:r>
-          </a:p>
-          <a:p>
-            <a:pPr lvl="1"/>
-            <a:r>
-              <a:rPr lang="en-US" dirty="0"/>
-              <a:t>Price, rating, size, height, weight</a:t>
-            </a:r>
           </a:p>
         </p:txBody>
       </p:sp>
-      <p:pic>
-        <p:nvPicPr>
-          <p:cNvPr id="5" name="Google Shape;56;p13">
-            <a:extLst>
-              <a:ext uri="{FF2B5EF4-FFF2-40B4-BE49-F238E27FC236}">
-                <a16:creationId xmlns:a16="http://schemas.microsoft.com/office/drawing/2014/main" id="{DA238A71-900C-4020-8E43-1A4C26DE7ED0}"/>
-              </a:ext>
-            </a:extLst>
-          </p:cNvPr>
-          <p:cNvPicPr preferRelativeResize="0"/>
-          <p:nvPr/>
-        </p:nvPicPr>
-        <p:blipFill>
-          <a:blip r:embed="rId2">
-            <a:alphaModFix/>
-          </a:blip>
-          <a:stretch>
-            <a:fillRect/>
-          </a:stretch>
-        </p:blipFill>
-        <p:spPr>
-          <a:xfrm>
-            <a:off x="11196980" y="6370125"/>
-            <a:ext cx="774099" cy="296300"/>
-          </a:xfrm>
-          <a:prstGeom prst="rect">
-            <a:avLst/>
-          </a:prstGeom>
-          <a:noFill/>
-          <a:ln>
-            <a:noFill/>
-          </a:ln>
-        </p:spPr>
-      </p:pic>
       <p:sp>
         <p:nvSpPr>
           <p:cNvPr id="7" name="Freeform 9">
@@ -12359,10 +12144,46 @@
           </a:p>
         </p:txBody>
       </p:sp>
+      <p:pic>
+        <p:nvPicPr>
+          <p:cNvPr id="5" name="Picture 4">
+            <a:extLst>
+              <a:ext uri="{FF2B5EF4-FFF2-40B4-BE49-F238E27FC236}">
+                <a16:creationId xmlns:a16="http://schemas.microsoft.com/office/drawing/2014/main" id="{4E7F217D-AAE8-4B61-852C-34EEDDFF3560}"/>
+              </a:ext>
+            </a:extLst>
+          </p:cNvPr>
+          <p:cNvPicPr>
+            <a:picLocks noChangeAspect="1"/>
+          </p:cNvPicPr>
+          <p:nvPr/>
+        </p:nvPicPr>
+        <p:blipFill rotWithShape="1">
+          <a:blip r:embed="rId2"/>
+          <a:srcRect b="56763"/>
+          <a:stretch/>
+        </p:blipFill>
+        <p:spPr>
+          <a:xfrm>
+            <a:off x="7852760" y="1924445"/>
+            <a:ext cx="2951025" cy="3290548"/>
+          </a:xfrm>
+          <a:prstGeom prst="rect">
+            <a:avLst/>
+          </a:prstGeom>
+          <a:effectLst>
+            <a:softEdge rad="12700"/>
+          </a:effectLst>
+          <a:scene3d>
+            <a:camera prst="perspectiveHeroicExtremeLeftFacing"/>
+            <a:lightRig rig="threePt" dir="t"/>
+          </a:scene3d>
+        </p:spPr>
+      </p:pic>
     </p:spTree>
     <p:extLst>
       <p:ext uri="{BB962C8B-B14F-4D97-AF65-F5344CB8AC3E}">
-        <p14:creationId xmlns:p14="http://schemas.microsoft.com/office/powerpoint/2010/main" val="4236506539"/>
+        <p14:creationId xmlns:p14="http://schemas.microsoft.com/office/powerpoint/2010/main" val="1724732191"/>
       </p:ext>
     </p:extLst>
   </p:cSld>
@@ -12603,10 +12424,32 @@
             <p:ph type="title"/>
           </p:nvPr>
         </p:nvSpPr>
+        <p:spPr/>
+        <p:txBody>
+          <a:bodyPr/>
+          <a:lstStyle/>
+          <a:p>
+            <a:r>
+              <a:rPr lang="en-US" dirty="0"/>
+              <a:t>TABLEAU TERMINOLOGY</a:t>
+            </a:r>
+          </a:p>
+        </p:txBody>
+      </p:sp>
+      <p:sp>
+        <p:nvSpPr>
+          <p:cNvPr id="3" name="Content Placeholder 2"/>
+          <p:cNvSpPr>
+            <a:spLocks noGrp="1"/>
+          </p:cNvSpPr>
+          <p:nvPr>
+            <p:ph idx="1"/>
+          </p:nvPr>
+        </p:nvSpPr>
         <p:spPr>
           <a:xfrm>
-            <a:off x="681380" y="2533350"/>
-            <a:ext cx="10515600" cy="1325563"/>
+            <a:off x="838200" y="1825625"/>
+            <a:ext cx="6728171" cy="4351338"/>
           </a:xfrm>
         </p:spPr>
         <p:txBody>
@@ -12615,45 +12458,263 @@
           <a:p>
             <a:r>
               <a:rPr lang="en-US" dirty="0"/>
-              <a:t>ASK QUESTIONS</a:t>
+              <a:t>Measure</a:t>
+            </a:r>
+          </a:p>
+          <a:p>
+            <a:pPr lvl="1"/>
+            <a:r>
+              <a:rPr lang="en-US" dirty="0"/>
+              <a:t>A numerical variable</a:t>
+            </a:r>
+          </a:p>
+          <a:p>
+            <a:pPr lvl="1"/>
+            <a:r>
+              <a:rPr lang="en-US" dirty="0"/>
+              <a:t>Either discrete or continuous</a:t>
+            </a:r>
+          </a:p>
+          <a:p>
+            <a:pPr lvl="1"/>
+            <a:r>
+              <a:rPr lang="en-US" dirty="0"/>
+              <a:t>Price, rating, size, height, weight, etc.</a:t>
             </a:r>
           </a:p>
         </p:txBody>
       </p:sp>
-      <p:pic>
-        <p:nvPicPr>
-          <p:cNvPr id="5" name="Google Shape;56;p13">
+      <p:sp>
+        <p:nvSpPr>
+          <p:cNvPr id="7" name="Freeform 9">
             <a:extLst>
               <a:ext uri="{FF2B5EF4-FFF2-40B4-BE49-F238E27FC236}">
-                <a16:creationId xmlns:a16="http://schemas.microsoft.com/office/drawing/2014/main" id="{DA238A71-900C-4020-8E43-1A4C26DE7ED0}"/>
+                <a16:creationId xmlns:a16="http://schemas.microsoft.com/office/drawing/2014/main" id="{6CF3B08B-7FA7-4A21-829A-F601946054A2}"/>
               </a:ext>
             </a:extLst>
           </p:cNvPr>
-          <p:cNvPicPr preferRelativeResize="0"/>
+          <p:cNvSpPr>
+            <a:spLocks noEditPoints="1"/>
+          </p:cNvSpPr>
           <p:nvPr/>
-        </p:nvPicPr>
-        <p:blipFill>
-          <a:blip r:embed="rId2">
-            <a:alphaModFix/>
-          </a:blip>
-          <a:stretch>
-            <a:fillRect/>
-          </a:stretch>
-        </p:blipFill>
-        <p:spPr>
-          <a:xfrm>
-            <a:off x="11196980" y="6370125"/>
-            <a:ext cx="774099" cy="296300"/>
+        </p:nvSpPr>
+        <p:spPr bwMode="auto">
+          <a:xfrm rot="10800000">
+            <a:off x="397" y="5116173"/>
+            <a:ext cx="1844879" cy="1741827"/>
           </a:xfrm>
-          <a:prstGeom prst="rect">
+          <a:custGeom>
             <a:avLst/>
-          </a:prstGeom>
-          <a:noFill/>
+            <a:gdLst>
+              <a:gd name="T0" fmla="*/ 12 w 3849"/>
+              <a:gd name="T1" fmla="*/ 0 h 3634"/>
+              <a:gd name="T2" fmla="*/ 12 w 3849"/>
+              <a:gd name="T3" fmla="*/ 508 h 3634"/>
+              <a:gd name="T4" fmla="*/ 0 w 3849"/>
+              <a:gd name="T5" fmla="*/ 508 h 3634"/>
+              <a:gd name="T6" fmla="*/ 0 w 3849"/>
+              <a:gd name="T7" fmla="*/ 0 h 3634"/>
+              <a:gd name="T8" fmla="*/ 12 w 3849"/>
+              <a:gd name="T9" fmla="*/ 0 h 3634"/>
+              <a:gd name="T10" fmla="*/ 2687 w 3849"/>
+              <a:gd name="T11" fmla="*/ 3622 h 3634"/>
+              <a:gd name="T12" fmla="*/ 2687 w 3849"/>
+              <a:gd name="T13" fmla="*/ 3634 h 3634"/>
+              <a:gd name="T14" fmla="*/ 3849 w 3849"/>
+              <a:gd name="T15" fmla="*/ 3634 h 3634"/>
+              <a:gd name="T16" fmla="*/ 3849 w 3849"/>
+              <a:gd name="T17" fmla="*/ 3622 h 3634"/>
+              <a:gd name="T18" fmla="*/ 2687 w 3849"/>
+              <a:gd name="T19" fmla="*/ 3622 h 3634"/>
+              <a:gd name="T20" fmla="*/ 2687 w 3849"/>
+              <a:gd name="T21" fmla="*/ 3628 h 3634"/>
+              <a:gd name="T22" fmla="*/ 3233 w 3849"/>
+              <a:gd name="T23" fmla="*/ 3628 h 3634"/>
+              <a:gd name="T24" fmla="*/ 3233 w 3849"/>
+              <a:gd name="T25" fmla="*/ 1668 h 3634"/>
+              <a:gd name="T26" fmla="*/ 2687 w 3849"/>
+              <a:gd name="T27" fmla="*/ 1668 h 3634"/>
+              <a:gd name="T28" fmla="*/ 2687 w 3849"/>
+              <a:gd name="T29" fmla="*/ 3628 h 3634"/>
+              <a:gd name="T30" fmla="*/ 2687 w 3849"/>
+              <a:gd name="T31" fmla="*/ 428 h 3634"/>
+              <a:gd name="T32" fmla="*/ 0 w 3849"/>
+              <a:gd name="T33" fmla="*/ 428 h 3634"/>
+              <a:gd name="T34" fmla="*/ 0 w 3849"/>
+              <a:gd name="T35" fmla="*/ 508 h 3634"/>
+              <a:gd name="T36" fmla="*/ 2130 w 3849"/>
+              <a:gd name="T37" fmla="*/ 508 h 3634"/>
+              <a:gd name="T38" fmla="*/ 2130 w 3849"/>
+              <a:gd name="T39" fmla="*/ 1668 h 3634"/>
+              <a:gd name="T40" fmla="*/ 2687 w 3849"/>
+              <a:gd name="T41" fmla="*/ 1668 h 3634"/>
+              <a:gd name="T42" fmla="*/ 2687 w 3849"/>
+              <a:gd name="T43" fmla="*/ 428 h 3634"/>
+            </a:gdLst>
+            <a:ahLst/>
+            <a:cxnLst>
+              <a:cxn ang="0">
+                <a:pos x="T0" y="T1"/>
+              </a:cxn>
+              <a:cxn ang="0">
+                <a:pos x="T2" y="T3"/>
+              </a:cxn>
+              <a:cxn ang="0">
+                <a:pos x="T4" y="T5"/>
+              </a:cxn>
+              <a:cxn ang="0">
+                <a:pos x="T6" y="T7"/>
+              </a:cxn>
+              <a:cxn ang="0">
+                <a:pos x="T8" y="T9"/>
+              </a:cxn>
+              <a:cxn ang="0">
+                <a:pos x="T10" y="T11"/>
+              </a:cxn>
+              <a:cxn ang="0">
+                <a:pos x="T12" y="T13"/>
+              </a:cxn>
+              <a:cxn ang="0">
+                <a:pos x="T14" y="T15"/>
+              </a:cxn>
+              <a:cxn ang="0">
+                <a:pos x="T16" y="T17"/>
+              </a:cxn>
+              <a:cxn ang="0">
+                <a:pos x="T18" y="T19"/>
+              </a:cxn>
+              <a:cxn ang="0">
+                <a:pos x="T20" y="T21"/>
+              </a:cxn>
+              <a:cxn ang="0">
+                <a:pos x="T22" y="T23"/>
+              </a:cxn>
+              <a:cxn ang="0">
+                <a:pos x="T24" y="T25"/>
+              </a:cxn>
+              <a:cxn ang="0">
+                <a:pos x="T26" y="T27"/>
+              </a:cxn>
+              <a:cxn ang="0">
+                <a:pos x="T28" y="T29"/>
+              </a:cxn>
+              <a:cxn ang="0">
+                <a:pos x="T30" y="T31"/>
+              </a:cxn>
+              <a:cxn ang="0">
+                <a:pos x="T32" y="T33"/>
+              </a:cxn>
+              <a:cxn ang="0">
+                <a:pos x="T34" y="T35"/>
+              </a:cxn>
+              <a:cxn ang="0">
+                <a:pos x="T36" y="T37"/>
+              </a:cxn>
+              <a:cxn ang="0">
+                <a:pos x="T38" y="T39"/>
+              </a:cxn>
+              <a:cxn ang="0">
+                <a:pos x="T40" y="T41"/>
+              </a:cxn>
+              <a:cxn ang="0">
+                <a:pos x="T42" y="T43"/>
+              </a:cxn>
+            </a:cxnLst>
+            <a:rect l="0" t="0" r="r" b="b"/>
+            <a:pathLst>
+              <a:path w="3849" h="3634">
+                <a:moveTo>
+                  <a:pt x="12" y="0"/>
+                </a:moveTo>
+                <a:lnTo>
+                  <a:pt x="12" y="508"/>
+                </a:lnTo>
+                <a:lnTo>
+                  <a:pt x="0" y="508"/>
+                </a:lnTo>
+                <a:lnTo>
+                  <a:pt x="0" y="0"/>
+                </a:lnTo>
+                <a:lnTo>
+                  <a:pt x="12" y="0"/>
+                </a:lnTo>
+                <a:close/>
+                <a:moveTo>
+                  <a:pt x="2687" y="3622"/>
+                </a:moveTo>
+                <a:lnTo>
+                  <a:pt x="2687" y="3634"/>
+                </a:lnTo>
+                <a:lnTo>
+                  <a:pt x="3849" y="3634"/>
+                </a:lnTo>
+                <a:lnTo>
+                  <a:pt x="3849" y="3622"/>
+                </a:lnTo>
+                <a:lnTo>
+                  <a:pt x="2687" y="3622"/>
+                </a:lnTo>
+                <a:close/>
+                <a:moveTo>
+                  <a:pt x="2687" y="3628"/>
+                </a:moveTo>
+                <a:lnTo>
+                  <a:pt x="3233" y="3628"/>
+                </a:lnTo>
+                <a:lnTo>
+                  <a:pt x="3233" y="1668"/>
+                </a:lnTo>
+                <a:lnTo>
+                  <a:pt x="2687" y="1668"/>
+                </a:lnTo>
+                <a:lnTo>
+                  <a:pt x="2687" y="3628"/>
+                </a:lnTo>
+                <a:close/>
+                <a:moveTo>
+                  <a:pt x="2687" y="428"/>
+                </a:moveTo>
+                <a:lnTo>
+                  <a:pt x="0" y="428"/>
+                </a:lnTo>
+                <a:lnTo>
+                  <a:pt x="0" y="508"/>
+                </a:lnTo>
+                <a:lnTo>
+                  <a:pt x="2130" y="508"/>
+                </a:lnTo>
+                <a:lnTo>
+                  <a:pt x="2130" y="1668"/>
+                </a:lnTo>
+                <a:lnTo>
+                  <a:pt x="2687" y="1668"/>
+                </a:lnTo>
+                <a:lnTo>
+                  <a:pt x="2687" y="428"/>
+                </a:lnTo>
+                <a:close/>
+              </a:path>
+            </a:pathLst>
+          </a:custGeom>
+          <a:solidFill>
+            <a:srgbClr val="CC1274"/>
+          </a:solidFill>
           <a:ln>
             <a:noFill/>
           </a:ln>
         </p:spPr>
-      </p:pic>
+        <p:txBody>
+          <a:bodyPr vert="horz" wrap="square" lIns="45720" tIns="22860" rIns="45720" bIns="22860" numCol="1" anchor="t" anchorCtr="0" compatLnSpc="1">
+            <a:prstTxWarp prst="textNoShape">
+              <a:avLst/>
+            </a:prstTxWarp>
+          </a:bodyPr>
+          <a:lstStyle/>
+          <a:p>
+            <a:endParaRPr lang="en-US" sz="900"/>
+          </a:p>
+        </p:txBody>
+      </p:sp>
       <p:sp>
         <p:nvSpPr>
           <p:cNvPr id="8" name="Freeform 5">
@@ -12670,7 +12731,7 @@
         </p:nvSpPr>
         <p:spPr bwMode="auto">
           <a:xfrm>
-            <a:off x="11550938" y="1144588"/>
+            <a:off x="11557686" y="1690688"/>
             <a:ext cx="641062" cy="1092200"/>
           </a:xfrm>
           <a:custGeom>
@@ -12810,10 +12871,44 @@
           </a:p>
         </p:txBody>
       </p:sp>
+      <p:pic>
+        <p:nvPicPr>
+          <p:cNvPr id="6" name="Picture 5">
+            <a:extLst>
+              <a:ext uri="{FF2B5EF4-FFF2-40B4-BE49-F238E27FC236}">
+                <a16:creationId xmlns:a16="http://schemas.microsoft.com/office/drawing/2014/main" id="{D0B0B499-70BE-4B97-B0C8-E2D26490A24E}"/>
+              </a:ext>
+            </a:extLst>
+          </p:cNvPr>
+          <p:cNvPicPr>
+            <a:picLocks noChangeAspect="1"/>
+          </p:cNvPicPr>
+          <p:nvPr/>
+        </p:nvPicPr>
+        <p:blipFill>
+          <a:blip r:embed="rId2"/>
+          <a:stretch>
+            <a:fillRect/>
+          </a:stretch>
+        </p:blipFill>
+        <p:spPr>
+          <a:xfrm>
+            <a:off x="7892716" y="1690688"/>
+            <a:ext cx="2196192" cy="3753696"/>
+          </a:xfrm>
+          <a:prstGeom prst="rect">
+            <a:avLst/>
+          </a:prstGeom>
+          <a:scene3d>
+            <a:camera prst="perspectiveContrastingLeftFacing"/>
+            <a:lightRig rig="threePt" dir="t"/>
+          </a:scene3d>
+        </p:spPr>
+      </p:pic>
     </p:spTree>
     <p:extLst>
       <p:ext uri="{BB962C8B-B14F-4D97-AF65-F5344CB8AC3E}">
-        <p14:creationId xmlns:p14="http://schemas.microsoft.com/office/powerpoint/2010/main" val="1674275574"/>
+        <p14:creationId xmlns:p14="http://schemas.microsoft.com/office/powerpoint/2010/main" val="2931868837"/>
       </p:ext>
     </p:extLst>
   </p:cSld>
@@ -12847,7 +12942,7 @@
                             </p:stCondLst>
                             <p:childTnLst>
                               <p:par>
-                                <p:cTn id="5" presetID="2" presetClass="entr" presetSubtype="1" decel="100000" fill="hold" grpId="0" nodeType="withEffect">
+                                <p:cTn id="5" presetID="2" presetClass="entr" presetSubtype="4" decel="100000" fill="hold" grpId="0" nodeType="withEffect">
                                   <p:stCondLst>
                                     <p:cond delay="0"/>
                                   </p:stCondLst>
@@ -12855,6 +12950,79 @@
                                     <p:set>
                                       <p:cBhvr>
                                         <p:cTn id="6" dur="1" fill="hold">
+                                          <p:stCondLst>
+                                            <p:cond delay="0"/>
+                                          </p:stCondLst>
+                                        </p:cTn>
+                                        <p:tgtEl>
+                                          <p:spTgt spid="7"/>
+                                        </p:tgtEl>
+                                        <p:attrNameLst>
+                                          <p:attrName>style.visibility</p:attrName>
+                                        </p:attrNameLst>
+                                      </p:cBhvr>
+                                      <p:to>
+                                        <p:strVal val="visible"/>
+                                      </p:to>
+                                    </p:set>
+                                    <p:anim calcmode="lin" valueType="num">
+                                      <p:cBhvr additive="base">
+                                        <p:cTn id="7" dur="500" fill="hold"/>
+                                        <p:tgtEl>
+                                          <p:spTgt spid="7"/>
+                                        </p:tgtEl>
+                                        <p:attrNameLst>
+                                          <p:attrName>ppt_x</p:attrName>
+                                        </p:attrNameLst>
+                                      </p:cBhvr>
+                                      <p:tavLst>
+                                        <p:tav tm="0">
+                                          <p:val>
+                                            <p:strVal val="#ppt_x"/>
+                                          </p:val>
+                                        </p:tav>
+                                        <p:tav tm="100000">
+                                          <p:val>
+                                            <p:strVal val="#ppt_x"/>
+                                          </p:val>
+                                        </p:tav>
+                                      </p:tavLst>
+                                    </p:anim>
+                                    <p:anim calcmode="lin" valueType="num">
+                                      <p:cBhvr additive="base">
+                                        <p:cTn id="8" dur="500" fill="hold"/>
+                                        <p:tgtEl>
+                                          <p:spTgt spid="7"/>
+                                        </p:tgtEl>
+                                        <p:attrNameLst>
+                                          <p:attrName>ppt_y</p:attrName>
+                                        </p:attrNameLst>
+                                      </p:cBhvr>
+                                      <p:tavLst>
+                                        <p:tav tm="0">
+                                          <p:val>
+                                            <p:strVal val="1+#ppt_h/2"/>
+                                          </p:val>
+                                        </p:tav>
+                                        <p:tav tm="100000">
+                                          <p:val>
+                                            <p:strVal val="#ppt_y"/>
+                                          </p:val>
+                                        </p:tav>
+                                      </p:tavLst>
+                                    </p:anim>
+                                  </p:childTnLst>
+                                </p:cTn>
+                              </p:par>
+                              <p:par>
+                                <p:cTn id="9" presetID="2" presetClass="entr" presetSubtype="1" decel="100000" fill="hold" grpId="0" nodeType="withEffect">
+                                  <p:stCondLst>
+                                    <p:cond delay="0"/>
+                                  </p:stCondLst>
+                                  <p:childTnLst>
+                                    <p:set>
+                                      <p:cBhvr>
+                                        <p:cTn id="10" dur="1" fill="hold">
                                           <p:stCondLst>
                                             <p:cond delay="0"/>
                                           </p:stCondLst>
@@ -12872,7 +13040,7 @@
                                     </p:set>
                                     <p:anim calcmode="lin" valueType="num">
                                       <p:cBhvr additive="base">
-                                        <p:cTn id="7" dur="500" fill="hold"/>
+                                        <p:cTn id="11" dur="500" fill="hold"/>
                                         <p:tgtEl>
                                           <p:spTgt spid="8"/>
                                         </p:tgtEl>
@@ -12895,7 +13063,7 @@
                                     </p:anim>
                                     <p:anim calcmode="lin" valueType="num">
                                       <p:cBhvr additive="base">
-                                        <p:cTn id="8" dur="500" fill="hold"/>
+                                        <p:cTn id="12" dur="500" fill="hold"/>
                                         <p:tgtEl>
                                           <p:spTgt spid="8"/>
                                         </p:tgtEl>
@@ -12947,6 +13115,7 @@
       </p:par>
     </p:tnLst>
     <p:bldLst>
+      <p:bldP spid="7" grpId="0" animBg="1"/>
       <p:bldP spid="8" grpId="0" animBg="1"/>
     </p:bldLst>
   </p:timing>
